--- a/Presentation/Presentation.pptx
+++ b/Presentation/Presentation.pptx
@@ -5,7 +5,7 @@
     <p:sldMasterId id="2147483648" r:id="rId1"/>
   </p:sldMasterIdLst>
   <p:notesMasterIdLst>
-    <p:notesMasterId r:id="rId14"/>
+    <p:notesMasterId r:id="rId13"/>
   </p:notesMasterIdLst>
   <p:sldIdLst>
     <p:sldId id="256" r:id="rId2"/>
@@ -19,7 +19,6 @@
     <p:sldId id="265" r:id="rId10"/>
     <p:sldId id="269" r:id="rId11"/>
     <p:sldId id="263" r:id="rId12"/>
-    <p:sldId id="267" r:id="rId13"/>
   </p:sldIdLst>
   <p:sldSz cx="12192000" cy="6858000"/>
   <p:notesSz cx="6858000" cy="9144000"/>
@@ -3421,7 +3420,12 @@
             <p:ph type="title"/>
           </p:nvPr>
         </p:nvSpPr>
-        <p:spPr/>
+        <p:spPr>
+          <a:xfrm>
+            <a:off x="730469" y="-38320"/>
+            <a:ext cx="10515600" cy="1325563"/>
+          </a:xfrm>
+        </p:spPr>
         <p:txBody>
           <a:bodyPr/>
           <a:lstStyle/>
@@ -3435,29 +3439,407 @@
       </p:sp>
       <p:sp>
         <p:nvSpPr>
-          <p:cNvPr id="3" name="Content Placeholder 2">
+          <p:cNvPr id="5" name="TextBox 4">
             <a:extLst>
               <a:ext uri="{FF2B5EF4-FFF2-40B4-BE49-F238E27FC236}">
-                <a16:creationId xmlns:a16="http://schemas.microsoft.com/office/drawing/2014/main" id="{7BE5C658-3AA0-0741-BF8C-CA7623CE3CA6}"/>
+                <a16:creationId xmlns:a16="http://schemas.microsoft.com/office/drawing/2014/main" id="{45F598C0-9994-B642-9112-2823F174149D}"/>
               </a:ext>
             </a:extLst>
           </p:cNvPr>
-          <p:cNvSpPr>
-            <a:spLocks noGrp="1"/>
-          </p:cNvSpPr>
-          <p:nvPr>
-            <p:ph idx="1"/>
-          </p:nvPr>
-        </p:nvSpPr>
-        <p:spPr/>
-        <p:txBody>
-          <a:bodyPr/>
-          <a:lstStyle/>
-          <a:p>
-            <a:endParaRPr lang="en-US"/>
-          </a:p>
-        </p:txBody>
-      </p:sp>
+          <p:cNvSpPr txBox="1"/>
+          <p:nvPr/>
+        </p:nvSpPr>
+        <p:spPr>
+          <a:xfrm>
+            <a:off x="1136094" y="1676492"/>
+            <a:ext cx="4001416" cy="461665"/>
+          </a:xfrm>
+          <a:prstGeom prst="rect">
+            <a:avLst/>
+          </a:prstGeom>
+          <a:noFill/>
+        </p:spPr>
+        <p:txBody>
+          <a:bodyPr wrap="none" rtlCol="0">
+            <a:spAutoFit/>
+          </a:bodyPr>
+          <a:lstStyle/>
+          <a:p>
+            <a:r>
+              <a:rPr lang="en-US" sz="2400" dirty="0"/>
+              <a:t>Maximum pressure occurs at </a:t>
+            </a:r>
+          </a:p>
+        </p:txBody>
+      </p:sp>
+      <p:sp>
+        <p:nvSpPr>
+          <p:cNvPr id="7" name="TextBox 6">
+            <a:extLst>
+              <a:ext uri="{FF2B5EF4-FFF2-40B4-BE49-F238E27FC236}">
+                <a16:creationId xmlns:a16="http://schemas.microsoft.com/office/drawing/2014/main" id="{CD4DA9F6-D7C9-DA4B-BF0F-FE422B52BF83}"/>
+              </a:ext>
+            </a:extLst>
+          </p:cNvPr>
+          <p:cNvSpPr txBox="1"/>
+          <p:nvPr/>
+        </p:nvSpPr>
+        <p:spPr>
+          <a:xfrm>
+            <a:off x="1136093" y="2482036"/>
+            <a:ext cx="7249381" cy="461665"/>
+          </a:xfrm>
+          <a:prstGeom prst="rect">
+            <a:avLst/>
+          </a:prstGeom>
+          <a:noFill/>
+        </p:spPr>
+        <p:txBody>
+          <a:bodyPr wrap="square" rtlCol="0">
+            <a:spAutoFit/>
+          </a:bodyPr>
+          <a:lstStyle/>
+          <a:p>
+            <a:r>
+              <a:rPr lang="en-US" sz="2400" dirty="0"/>
+              <a:t>For this maximum pressure, we get critical thickness</a:t>
+            </a:r>
+          </a:p>
+        </p:txBody>
+      </p:sp>
+      <p:pic>
+        <p:nvPicPr>
+          <p:cNvPr id="12" name="Picture 11">
+            <a:extLst>
+              <a:ext uri="{FF2B5EF4-FFF2-40B4-BE49-F238E27FC236}">
+                <a16:creationId xmlns:a16="http://schemas.microsoft.com/office/drawing/2014/main" id="{D9EB6BD2-C7E3-2F48-A2C2-3BF6283F739B}"/>
+              </a:ext>
+            </a:extLst>
+          </p:cNvPr>
+          <p:cNvPicPr>
+            <a:picLocks noChangeAspect="1"/>
+          </p:cNvPicPr>
+          <p:nvPr/>
+        </p:nvPicPr>
+        <p:blipFill>
+          <a:blip r:embed="rId2"/>
+          <a:stretch>
+            <a:fillRect/>
+          </a:stretch>
+        </p:blipFill>
+        <p:spPr>
+          <a:xfrm>
+            <a:off x="8119241" y="2344568"/>
+            <a:ext cx="2336800" cy="736600"/>
+          </a:xfrm>
+          <a:prstGeom prst="rect">
+            <a:avLst/>
+          </a:prstGeom>
+        </p:spPr>
+      </p:pic>
+      <p:pic>
+        <p:nvPicPr>
+          <p:cNvPr id="13" name="Picture 12">
+            <a:extLst>
+              <a:ext uri="{FF2B5EF4-FFF2-40B4-BE49-F238E27FC236}">
+                <a16:creationId xmlns:a16="http://schemas.microsoft.com/office/drawing/2014/main" id="{0D5A09D2-CA39-ED4B-A443-292A51560B0A}"/>
+              </a:ext>
+            </a:extLst>
+          </p:cNvPr>
+          <p:cNvPicPr>
+            <a:picLocks noChangeAspect="1"/>
+          </p:cNvPicPr>
+          <p:nvPr/>
+        </p:nvPicPr>
+        <p:blipFill>
+          <a:blip r:embed="rId3"/>
+          <a:stretch>
+            <a:fillRect/>
+          </a:stretch>
+        </p:blipFill>
+        <p:spPr>
+          <a:xfrm>
+            <a:off x="5137510" y="1531813"/>
+            <a:ext cx="4229100" cy="762000"/>
+          </a:xfrm>
+          <a:prstGeom prst="rect">
+            <a:avLst/>
+          </a:prstGeom>
+        </p:spPr>
+      </p:pic>
+      <p:sp>
+        <p:nvSpPr>
+          <p:cNvPr id="14" name="TextBox 13">
+            <a:extLst>
+              <a:ext uri="{FF2B5EF4-FFF2-40B4-BE49-F238E27FC236}">
+                <a16:creationId xmlns:a16="http://schemas.microsoft.com/office/drawing/2014/main" id="{431CCE36-FABB-E547-942D-05070EBCE193}"/>
+              </a:ext>
+            </a:extLst>
+          </p:cNvPr>
+          <p:cNvSpPr txBox="1"/>
+          <p:nvPr/>
+        </p:nvSpPr>
+        <p:spPr>
+          <a:xfrm>
+            <a:off x="666196" y="4277453"/>
+            <a:ext cx="5722883" cy="584775"/>
+          </a:xfrm>
+          <a:prstGeom prst="rect">
+            <a:avLst/>
+          </a:prstGeom>
+          <a:noFill/>
+        </p:spPr>
+        <p:txBody>
+          <a:bodyPr wrap="square" rtlCol="0">
+            <a:spAutoFit/>
+          </a:bodyPr>
+          <a:lstStyle/>
+          <a:p>
+            <a:pPr marL="457200" indent="-457200">
+              <a:buFont typeface="Arial" panose="020B0604020202020204" pitchFamily="34" charset="0"/>
+              <a:buChar char="•"/>
+            </a:pPr>
+            <a:r>
+              <a:rPr lang="en-US" sz="3200" b="1" dirty="0"/>
+              <a:t>Flooding</a:t>
+            </a:r>
+          </a:p>
+        </p:txBody>
+      </p:sp>
+      <p:sp>
+        <p:nvSpPr>
+          <p:cNvPr id="15" name="TextBox 14">
+            <a:extLst>
+              <a:ext uri="{FF2B5EF4-FFF2-40B4-BE49-F238E27FC236}">
+                <a16:creationId xmlns:a16="http://schemas.microsoft.com/office/drawing/2014/main" id="{A8F61B57-DDB2-A044-BA56-4C3C84920642}"/>
+              </a:ext>
+            </a:extLst>
+          </p:cNvPr>
+          <p:cNvSpPr txBox="1"/>
+          <p:nvPr/>
+        </p:nvSpPr>
+        <p:spPr>
+          <a:xfrm>
+            <a:off x="730469" y="1009532"/>
+            <a:ext cx="2963918" cy="584775"/>
+          </a:xfrm>
+          <a:prstGeom prst="rect">
+            <a:avLst/>
+          </a:prstGeom>
+          <a:noFill/>
+        </p:spPr>
+        <p:txBody>
+          <a:bodyPr wrap="square" rtlCol="0">
+            <a:spAutoFit/>
+          </a:bodyPr>
+          <a:lstStyle/>
+          <a:p>
+            <a:pPr marL="457200" indent="-457200">
+              <a:buFont typeface="Arial" panose="020B0604020202020204" pitchFamily="34" charset="0"/>
+              <a:buChar char="•"/>
+            </a:pPr>
+            <a:r>
+              <a:rPr lang="en-US" sz="3200" b="1" dirty="0"/>
+              <a:t>Bursting</a:t>
+            </a:r>
+          </a:p>
+        </p:txBody>
+      </p:sp>
+      <p:sp>
+        <p:nvSpPr>
+          <p:cNvPr id="17" name="TextBox 16">
+            <a:extLst>
+              <a:ext uri="{FF2B5EF4-FFF2-40B4-BE49-F238E27FC236}">
+                <a16:creationId xmlns:a16="http://schemas.microsoft.com/office/drawing/2014/main" id="{01AA5F3B-74A4-C040-A328-3202D41BF8B1}"/>
+              </a:ext>
+            </a:extLst>
+          </p:cNvPr>
+          <p:cNvSpPr txBox="1"/>
+          <p:nvPr/>
+        </p:nvSpPr>
+        <p:spPr>
+          <a:xfrm>
+            <a:off x="1136093" y="3222921"/>
+            <a:ext cx="9868237" cy="830997"/>
+          </a:xfrm>
+          <a:prstGeom prst="rect">
+            <a:avLst/>
+          </a:prstGeom>
+          <a:noFill/>
+        </p:spPr>
+        <p:txBody>
+          <a:bodyPr wrap="square" rtlCol="0">
+            <a:spAutoFit/>
+          </a:bodyPr>
+          <a:lstStyle/>
+          <a:p>
+            <a:r>
+              <a:rPr lang="en-US" sz="2400" dirty="0"/>
+              <a:t>For any 		  we have bursting – meniscus cannot support weight of water above it</a:t>
+            </a:r>
+          </a:p>
+        </p:txBody>
+      </p:sp>
+      <p:pic>
+        <p:nvPicPr>
+          <p:cNvPr id="18" name="Picture 17">
+            <a:extLst>
+              <a:ext uri="{FF2B5EF4-FFF2-40B4-BE49-F238E27FC236}">
+                <a16:creationId xmlns:a16="http://schemas.microsoft.com/office/drawing/2014/main" id="{2498E6B9-181F-D340-9E4A-0F80582287C3}"/>
+              </a:ext>
+            </a:extLst>
+          </p:cNvPr>
+          <p:cNvPicPr>
+            <a:picLocks noChangeAspect="1"/>
+          </p:cNvPicPr>
+          <p:nvPr/>
+        </p:nvPicPr>
+        <p:blipFill>
+          <a:blip r:embed="rId4"/>
+          <a:stretch>
+            <a:fillRect/>
+          </a:stretch>
+        </p:blipFill>
+        <p:spPr>
+          <a:xfrm>
+            <a:off x="2414204" y="3307795"/>
+            <a:ext cx="1445195" cy="281010"/>
+          </a:xfrm>
+          <a:prstGeom prst="rect">
+            <a:avLst/>
+          </a:prstGeom>
+        </p:spPr>
+      </p:pic>
+      <p:sp>
+        <p:nvSpPr>
+          <p:cNvPr id="19" name="TextBox 18">
+            <a:extLst>
+              <a:ext uri="{FF2B5EF4-FFF2-40B4-BE49-F238E27FC236}">
+                <a16:creationId xmlns:a16="http://schemas.microsoft.com/office/drawing/2014/main" id="{A99CF5A1-C932-A440-81FE-3288CE92130F}"/>
+              </a:ext>
+            </a:extLst>
+          </p:cNvPr>
+          <p:cNvSpPr txBox="1"/>
+          <p:nvPr/>
+        </p:nvSpPr>
+        <p:spPr>
+          <a:xfrm>
+            <a:off x="1136093" y="4908710"/>
+            <a:ext cx="4484213" cy="461665"/>
+          </a:xfrm>
+          <a:prstGeom prst="rect">
+            <a:avLst/>
+          </a:prstGeom>
+          <a:noFill/>
+        </p:spPr>
+        <p:txBody>
+          <a:bodyPr wrap="square" rtlCol="0">
+            <a:spAutoFit/>
+          </a:bodyPr>
+          <a:lstStyle/>
+          <a:p>
+            <a:r>
+              <a:rPr lang="en-US" sz="2400" dirty="0"/>
+              <a:t>If </a:t>
+            </a:r>
+          </a:p>
+        </p:txBody>
+      </p:sp>
+      <p:pic>
+        <p:nvPicPr>
+          <p:cNvPr id="23" name="Picture 22">
+            <a:extLst>
+              <a:ext uri="{FF2B5EF4-FFF2-40B4-BE49-F238E27FC236}">
+                <a16:creationId xmlns:a16="http://schemas.microsoft.com/office/drawing/2014/main" id="{8B9241D2-30DC-7945-A5D6-5FF2AAB2263B}"/>
+              </a:ext>
+            </a:extLst>
+          </p:cNvPr>
+          <p:cNvPicPr>
+            <a:picLocks noChangeAspect="1"/>
+          </p:cNvPicPr>
+          <p:nvPr/>
+        </p:nvPicPr>
+        <p:blipFill>
+          <a:blip r:embed="rId5"/>
+          <a:stretch>
+            <a:fillRect/>
+          </a:stretch>
+        </p:blipFill>
+        <p:spPr>
+          <a:xfrm>
+            <a:off x="1493126" y="4783015"/>
+            <a:ext cx="3771900" cy="762000"/>
+          </a:xfrm>
+          <a:prstGeom prst="rect">
+            <a:avLst/>
+          </a:prstGeom>
+        </p:spPr>
+      </p:pic>
+      <p:sp>
+        <p:nvSpPr>
+          <p:cNvPr id="24" name="TextBox 23">
+            <a:extLst>
+              <a:ext uri="{FF2B5EF4-FFF2-40B4-BE49-F238E27FC236}">
+                <a16:creationId xmlns:a16="http://schemas.microsoft.com/office/drawing/2014/main" id="{B01DF9DD-17D2-D14D-AD82-258ECC13EE0C}"/>
+              </a:ext>
+            </a:extLst>
+          </p:cNvPr>
+          <p:cNvSpPr txBox="1"/>
+          <p:nvPr/>
+        </p:nvSpPr>
+        <p:spPr>
+          <a:xfrm>
+            <a:off x="5265026" y="4941368"/>
+            <a:ext cx="5534353" cy="830997"/>
+          </a:xfrm>
+          <a:prstGeom prst="rect">
+            <a:avLst/>
+          </a:prstGeom>
+          <a:noFill/>
+        </p:spPr>
+        <p:txBody>
+          <a:bodyPr wrap="square" rtlCol="0">
+            <a:spAutoFit/>
+          </a:bodyPr>
+          <a:lstStyle/>
+          <a:p>
+            <a:r>
+              <a:rPr lang="en-US" sz="2400" dirty="0"/>
+              <a:t>,  then flooding occurs when			</a:t>
+            </a:r>
+          </a:p>
+        </p:txBody>
+      </p:sp>
+      <p:pic>
+        <p:nvPicPr>
+          <p:cNvPr id="25" name="Picture 24">
+            <a:extLst>
+              <a:ext uri="{FF2B5EF4-FFF2-40B4-BE49-F238E27FC236}">
+                <a16:creationId xmlns:a16="http://schemas.microsoft.com/office/drawing/2014/main" id="{1C2D0C78-4122-7E49-A85A-1CD0D4CF7CF7}"/>
+              </a:ext>
+            </a:extLst>
+          </p:cNvPr>
+          <p:cNvPicPr>
+            <a:picLocks noChangeAspect="1"/>
+          </p:cNvPicPr>
+          <p:nvPr/>
+        </p:nvPicPr>
+        <p:blipFill>
+          <a:blip r:embed="rId6"/>
+          <a:stretch>
+            <a:fillRect/>
+          </a:stretch>
+        </p:blipFill>
+        <p:spPr>
+          <a:xfrm>
+            <a:off x="9305158" y="4783015"/>
+            <a:ext cx="1460500" cy="762000"/>
+          </a:xfrm>
+          <a:prstGeom prst="rect">
+            <a:avLst/>
+          </a:prstGeom>
+        </p:spPr>
+      </p:pic>
     </p:spTree>
     <p:extLst>
       <p:ext uri="{BB962C8B-B14F-4D97-AF65-F5344CB8AC3E}">
@@ -3510,7 +3892,7 @@
           <a:p>
             <a:r>
               <a:rPr lang="en-GB" dirty="0"/>
-              <a:t>Further work</a:t>
+              <a:t>Further work – different radii</a:t>
             </a:r>
             <a:endParaRPr lang="en-US" dirty="0"/>
           </a:p>
@@ -3542,21 +3924,19 @@
       </p:pic>
       <p:pic>
         <p:nvPicPr>
-          <p:cNvPr id="7" name="Picture 2" descr="test.jpg">
+          <p:cNvPr id="8" name="Picture 2" descr="https://raw.githubusercontent.com/Oliver-Bond-InFoMM/Modelling1/master/Presentation/different%20radius.jpg">
             <a:extLst>
               <a:ext uri="{FF2B5EF4-FFF2-40B4-BE49-F238E27FC236}">
-                <a16:creationId xmlns:a16="http://schemas.microsoft.com/office/drawing/2014/main" id="{4A6A31B6-577B-D742-878F-B346DC7153B5}"/>
+                <a16:creationId xmlns:a16="http://schemas.microsoft.com/office/drawing/2014/main" id="{7B79A011-38F9-DC47-A3DE-32CDC766EEFD}"/>
               </a:ext>
             </a:extLst>
           </p:cNvPr>
           <p:cNvPicPr>
-            <a:picLocks noGrp="1" noChangeAspect="1" noChangeArrowheads="1"/>
+            <a:picLocks noChangeAspect="1" noChangeArrowheads="1"/>
           </p:cNvPicPr>
-          <p:nvPr>
-            <p:ph idx="1"/>
-          </p:nvPr>
+          <p:nvPr/>
         </p:nvPicPr>
-        <p:blipFill>
+        <p:blipFill rotWithShape="1">
           <a:blip r:embed="rId3">
             <a:extLst>
               <a:ext uri="{28A0092B-C50C-407E-A947-70E740481C1C}">
@@ -3564,15 +3944,13 @@
               </a:ext>
             </a:extLst>
           </a:blip>
-          <a:srcRect/>
-          <a:stretch>
-            <a:fillRect/>
-          </a:stretch>
+          <a:srcRect l="10317" t="3881" r="52195" b="5827"/>
+          <a:stretch/>
         </p:blipFill>
         <p:spPr bwMode="auto">
           <a:xfrm>
-            <a:off x="4163647" y="2455946"/>
-            <a:ext cx="7722312" cy="4111231"/>
+            <a:off x="8371490" y="0"/>
+            <a:ext cx="3174124" cy="3435194"/>
           </a:xfrm>
           <a:prstGeom prst="rect">
             <a:avLst/>
@@ -3589,69 +3967,35 @@
           </a:extLst>
         </p:spPr>
       </p:pic>
-    </p:spTree>
-    <p:extLst>
-      <p:ext uri="{BB962C8B-B14F-4D97-AF65-F5344CB8AC3E}">
-        <p14:creationId xmlns:p14="http://schemas.microsoft.com/office/powerpoint/2010/main" val="2854767637"/>
-      </p:ext>
-    </p:extLst>
-  </p:cSld>
-  <p:clrMapOvr>
-    <a:masterClrMapping/>
-  </p:clrMapOvr>
-</p:sld>
-</file>
-
-<file path=ppt/slides/slide12.xml><?xml version="1.0" encoding="utf-8"?>
-<p:sld xmlns:a="http://schemas.openxmlformats.org/drawingml/2006/main" xmlns:r="http://schemas.openxmlformats.org/officeDocument/2006/relationships" xmlns:p="http://schemas.openxmlformats.org/presentationml/2006/main">
-  <p:cSld>
-    <p:spTree>
-      <p:nvGrpSpPr>
-        <p:cNvPr id="1" name=""/>
-        <p:cNvGrpSpPr/>
-        <p:nvPr/>
-      </p:nvGrpSpPr>
-      <p:grpSpPr>
-        <a:xfrm>
-          <a:off x="0" y="0"/>
-          <a:ext cx="0" cy="0"/>
-          <a:chOff x="0" y="0"/>
-          <a:chExt cx="0" cy="0"/>
-        </a:xfrm>
-      </p:grpSpPr>
       <p:pic>
         <p:nvPicPr>
-          <p:cNvPr id="4" name="Picture 2" descr="https://raw.githubusercontent.com/Oliver-Bond-InFoMM/Modelling1/master/Presentation/different%20radius.jpg">
+          <p:cNvPr id="9" name="Picture 2" descr="https://raw.githubusercontent.com/Oliver-Bond-InFoMM/Modelling1/master/Presentation/different%20radius.jpg">
             <a:extLst>
               <a:ext uri="{FF2B5EF4-FFF2-40B4-BE49-F238E27FC236}">
-                <a16:creationId xmlns:a16="http://schemas.microsoft.com/office/drawing/2014/main" id="{E9CA2AAF-7A1A-3445-8A29-BFEC9A015EBD}"/>
+                <a16:creationId xmlns:a16="http://schemas.microsoft.com/office/drawing/2014/main" id="{3F2B6C88-61EE-2A40-9B3F-F4C67CA798DF}"/>
               </a:ext>
             </a:extLst>
           </p:cNvPr>
           <p:cNvPicPr>
-            <a:picLocks noGrp="1" noChangeAspect="1" noChangeArrowheads="1"/>
+            <a:picLocks noChangeAspect="1" noChangeArrowheads="1"/>
           </p:cNvPicPr>
-          <p:nvPr>
-            <p:ph idx="1"/>
-          </p:nvPr>
+          <p:nvPr/>
         </p:nvPicPr>
-        <p:blipFill>
-          <a:blip r:embed="rId2">
+        <p:blipFill rotWithShape="1">
+          <a:blip r:embed="rId3">
             <a:extLst>
               <a:ext uri="{28A0092B-C50C-407E-A947-70E740481C1C}">
                 <a14:useLocalDpi xmlns:a14="http://schemas.microsoft.com/office/drawing/2010/main" val="0"/>
               </a:ext>
             </a:extLst>
           </a:blip>
-          <a:srcRect/>
-          <a:stretch>
-            <a:fillRect/>
-          </a:stretch>
+          <a:srcRect l="54101" t="3414" r="8238" b="5396"/>
+          <a:stretch/>
         </p:blipFill>
         <p:spPr bwMode="auto">
           <a:xfrm>
-            <a:off x="819727" y="1097058"/>
-            <a:ext cx="10850181" cy="4875348"/>
+            <a:off x="8371490" y="3404495"/>
+            <a:ext cx="3174124" cy="3453505"/>
           </a:xfrm>
           <a:prstGeom prst="rect">
             <a:avLst/>
@@ -3668,44 +4012,59 @@
           </a:extLst>
         </p:spPr>
       </p:pic>
-      <p:sp>
-        <p:nvSpPr>
-          <p:cNvPr id="5" name="Title 1">
+      <p:pic>
+        <p:nvPicPr>
+          <p:cNvPr id="7" name="Picture 2" descr="test.jpg">
             <a:extLst>
               <a:ext uri="{FF2B5EF4-FFF2-40B4-BE49-F238E27FC236}">
-                <a16:creationId xmlns:a16="http://schemas.microsoft.com/office/drawing/2014/main" id="{17A42BBF-C741-7F4E-9BB7-9BE83CF5EBB8}"/>
+                <a16:creationId xmlns:a16="http://schemas.microsoft.com/office/drawing/2014/main" id="{4A6A31B6-577B-D742-878F-B346DC7153B5}"/>
               </a:ext>
             </a:extLst>
           </p:cNvPr>
-          <p:cNvSpPr>
-            <a:spLocks noGrp="1"/>
-          </p:cNvSpPr>
-          <p:nvPr>
-            <p:ph type="title"/>
-          </p:nvPr>
-        </p:nvSpPr>
-        <p:spPr>
-          <a:xfrm>
-            <a:off x="302491" y="-189057"/>
-            <a:ext cx="10515600" cy="1325563"/>
-          </a:xfrm>
-        </p:spPr>
-        <p:txBody>
-          <a:bodyPr/>
-          <a:lstStyle/>
-          <a:p>
-            <a:r>
-              <a:rPr lang="en-GB" dirty="0"/>
-              <a:t>Further work</a:t>
-            </a:r>
-            <a:endParaRPr lang="en-US" dirty="0"/>
-          </a:p>
-        </p:txBody>
-      </p:sp>
+          <p:cNvPicPr>
+            <a:picLocks noGrp="1" noChangeAspect="1" noChangeArrowheads="1"/>
+          </p:cNvPicPr>
+          <p:nvPr>
+            <p:ph idx="1"/>
+          </p:nvPr>
+        </p:nvPicPr>
+        <p:blipFill>
+          <a:blip r:embed="rId4">
+            <a:extLst>
+              <a:ext uri="{28A0092B-C50C-407E-A947-70E740481C1C}">
+                <a14:useLocalDpi xmlns:a14="http://schemas.microsoft.com/office/drawing/2010/main" val="0"/>
+              </a:ext>
+            </a:extLst>
+          </a:blip>
+          <a:srcRect/>
+          <a:stretch>
+            <a:fillRect/>
+          </a:stretch>
+        </p:blipFill>
+        <p:spPr bwMode="auto">
+          <a:xfrm>
+            <a:off x="515326" y="2455946"/>
+            <a:ext cx="7643330" cy="4069182"/>
+          </a:xfrm>
+          <a:prstGeom prst="rect">
+            <a:avLst/>
+          </a:prstGeom>
+          <a:noFill/>
+          <a:extLst>
+            <a:ext uri="{909E8E84-426E-40DD-AFC4-6F175D3DCCD1}">
+              <a14:hiddenFill xmlns:a14="http://schemas.microsoft.com/office/drawing/2010/main">
+                <a:solidFill>
+                  <a:srgbClr val="FFFFFF"/>
+                </a:solidFill>
+              </a14:hiddenFill>
+            </a:ext>
+          </a:extLst>
+        </p:spPr>
+      </p:pic>
     </p:spTree>
     <p:extLst>
       <p:ext uri="{BB962C8B-B14F-4D97-AF65-F5344CB8AC3E}">
-        <p14:creationId xmlns:p14="http://schemas.microsoft.com/office/powerpoint/2010/main" val="3130394682"/>
+        <p14:creationId xmlns:p14="http://schemas.microsoft.com/office/powerpoint/2010/main" val="2854767637"/>
       </p:ext>
     </p:extLst>
   </p:cSld>
@@ -4246,6 +4605,83 @@
           </a:prstGeom>
         </p:spPr>
       </p:pic>
+      <p:cxnSp>
+        <p:nvCxnSpPr>
+          <p:cNvPr id="24" name="Straight Connector 23">
+            <a:extLst>
+              <a:ext uri="{FF2B5EF4-FFF2-40B4-BE49-F238E27FC236}">
+                <a16:creationId xmlns:a16="http://schemas.microsoft.com/office/drawing/2014/main" id="{AAFA1ABD-D065-2F4D-AD4E-98C8E8182A2D}"/>
+              </a:ext>
+            </a:extLst>
+          </p:cNvPr>
+          <p:cNvCxnSpPr>
+            <a:cxnSpLocks/>
+          </p:cNvCxnSpPr>
+          <p:nvPr/>
+        </p:nvCxnSpPr>
+        <p:spPr>
+          <a:xfrm>
+            <a:off x="9049407" y="5208561"/>
+            <a:ext cx="0" cy="378612"/>
+          </a:xfrm>
+          <a:prstGeom prst="line">
+            <a:avLst/>
+          </a:prstGeom>
+          <a:ln w="38100">
+            <a:headEnd type="triangle" w="med" len="med"/>
+            <a:tailEnd type="triangle" w="med" len="med"/>
+          </a:ln>
+        </p:spPr>
+        <p:style>
+          <a:lnRef idx="1">
+            <a:schemeClr val="dk1"/>
+          </a:lnRef>
+          <a:fillRef idx="0">
+            <a:schemeClr val="dk1"/>
+          </a:fillRef>
+          <a:effectRef idx="0">
+            <a:schemeClr val="dk1"/>
+          </a:effectRef>
+          <a:fontRef idx="minor">
+            <a:schemeClr val="tx1"/>
+          </a:fontRef>
+        </p:style>
+      </p:cxnSp>
+      <p:sp>
+        <p:nvSpPr>
+          <p:cNvPr id="27" name="TextBox 26">
+            <a:extLst>
+              <a:ext uri="{FF2B5EF4-FFF2-40B4-BE49-F238E27FC236}">
+                <a16:creationId xmlns:a16="http://schemas.microsoft.com/office/drawing/2014/main" id="{7E8FF7B3-76E7-C14D-8CD6-8199C0E5B2C2}"/>
+              </a:ext>
+            </a:extLst>
+          </p:cNvPr>
+          <p:cNvSpPr txBox="1"/>
+          <p:nvPr/>
+        </p:nvSpPr>
+        <p:spPr>
+          <a:xfrm>
+            <a:off x="9055886" y="5197993"/>
+            <a:ext cx="252248" cy="369332"/>
+          </a:xfrm>
+          <a:prstGeom prst="rect">
+            <a:avLst/>
+          </a:prstGeom>
+          <a:noFill/>
+        </p:spPr>
+        <p:txBody>
+          <a:bodyPr wrap="square" rtlCol="0">
+            <a:spAutoFit/>
+          </a:bodyPr>
+          <a:lstStyle/>
+          <a:p>
+            <a:r>
+              <a:rPr lang="en-US" dirty="0"/>
+              <a:t>H</a:t>
+            </a:r>
+          </a:p>
+        </p:txBody>
+      </p:sp>
     </p:spTree>
     <p:extLst>
       <p:ext uri="{BB962C8B-B14F-4D97-AF65-F5344CB8AC3E}">
@@ -4944,6 +5380,267 @@
           </a:p>
         </p:txBody>
       </p:sp>
+      <p:pic>
+        <p:nvPicPr>
+          <p:cNvPr id="5" name="Picture 4">
+            <a:extLst>
+              <a:ext uri="{FF2B5EF4-FFF2-40B4-BE49-F238E27FC236}">
+                <a16:creationId xmlns:a16="http://schemas.microsoft.com/office/drawing/2014/main" id="{4C18C7B1-34E2-624C-8527-9447F9EBA795}"/>
+              </a:ext>
+            </a:extLst>
+          </p:cNvPr>
+          <p:cNvPicPr>
+            <a:picLocks noChangeAspect="1"/>
+          </p:cNvPicPr>
+          <p:nvPr/>
+        </p:nvPicPr>
+        <p:blipFill>
+          <a:blip r:embed="rId2"/>
+          <a:stretch>
+            <a:fillRect/>
+          </a:stretch>
+        </p:blipFill>
+        <p:spPr>
+          <a:xfrm>
+            <a:off x="1139087" y="2416258"/>
+            <a:ext cx="2937593" cy="594956"/>
+          </a:xfrm>
+          <a:prstGeom prst="rect">
+            <a:avLst/>
+          </a:prstGeom>
+        </p:spPr>
+      </p:pic>
+      <p:pic>
+        <p:nvPicPr>
+          <p:cNvPr id="6" name="Picture 5">
+            <a:extLst>
+              <a:ext uri="{FF2B5EF4-FFF2-40B4-BE49-F238E27FC236}">
+                <a16:creationId xmlns:a16="http://schemas.microsoft.com/office/drawing/2014/main" id="{A1925E9C-0B98-3D48-81CF-AC308E5248C6}"/>
+              </a:ext>
+            </a:extLst>
+          </p:cNvPr>
+          <p:cNvPicPr>
+            <a:picLocks noChangeAspect="1"/>
+          </p:cNvPicPr>
+          <p:nvPr/>
+        </p:nvPicPr>
+        <p:blipFill>
+          <a:blip r:embed="rId3"/>
+          <a:stretch>
+            <a:fillRect/>
+          </a:stretch>
+        </p:blipFill>
+        <p:spPr>
+          <a:xfrm>
+            <a:off x="2078821" y="3306771"/>
+            <a:ext cx="1937289" cy="1192177"/>
+          </a:xfrm>
+          <a:prstGeom prst="rect">
+            <a:avLst/>
+          </a:prstGeom>
+        </p:spPr>
+      </p:pic>
+      <p:grpSp>
+        <p:nvGrpSpPr>
+          <p:cNvPr id="14" name="Group 13">
+            <a:extLst>
+              <a:ext uri="{FF2B5EF4-FFF2-40B4-BE49-F238E27FC236}">
+                <a16:creationId xmlns:a16="http://schemas.microsoft.com/office/drawing/2014/main" id="{8899113A-FCBF-EA4D-B815-56DF086550BD}"/>
+              </a:ext>
+            </a:extLst>
+          </p:cNvPr>
+          <p:cNvGrpSpPr>
+            <a:grpSpLocks noChangeAspect="1"/>
+          </p:cNvGrpSpPr>
+          <p:nvPr/>
+        </p:nvGrpSpPr>
+        <p:grpSpPr>
+          <a:xfrm>
+            <a:off x="4376057" y="1472787"/>
+            <a:ext cx="7815943" cy="3492000"/>
+            <a:chOff x="4992939" y="1494558"/>
+            <a:chExt cx="7088699" cy="3298160"/>
+          </a:xfrm>
+        </p:grpSpPr>
+        <p:pic>
+          <p:nvPicPr>
+            <p:cNvPr id="9" name="Picture 8">
+              <a:extLst>
+                <a:ext uri="{FF2B5EF4-FFF2-40B4-BE49-F238E27FC236}">
+                  <a16:creationId xmlns:a16="http://schemas.microsoft.com/office/drawing/2014/main" id="{F5C27046-1B37-734F-9A7B-DBB6158A7E0E}"/>
+                </a:ext>
+              </a:extLst>
+            </p:cNvPr>
+            <p:cNvPicPr>
+              <a:picLocks noChangeAspect="1"/>
+            </p:cNvPicPr>
+            <p:nvPr/>
+          </p:nvPicPr>
+          <p:blipFill>
+            <a:blip r:embed="rId4">
+              <a:extLst>
+                <a:ext uri="{28A0092B-C50C-407E-A947-70E740481C1C}">
+                  <a14:useLocalDpi xmlns:a14="http://schemas.microsoft.com/office/drawing/2010/main" val="0"/>
+                </a:ext>
+              </a:extLst>
+            </a:blip>
+            <a:stretch>
+              <a:fillRect/>
+            </a:stretch>
+          </p:blipFill>
+          <p:spPr>
+            <a:xfrm>
+              <a:off x="4992939" y="1494558"/>
+              <a:ext cx="7088699" cy="3298160"/>
+            </a:xfrm>
+            <a:prstGeom prst="rect">
+              <a:avLst/>
+            </a:prstGeom>
+          </p:spPr>
+        </p:pic>
+        <p:sp>
+          <p:nvSpPr>
+            <p:cNvPr id="10" name="TextBox 9">
+              <a:extLst>
+                <a:ext uri="{FF2B5EF4-FFF2-40B4-BE49-F238E27FC236}">
+                  <a16:creationId xmlns:a16="http://schemas.microsoft.com/office/drawing/2014/main" id="{7E0A41E9-322A-A640-AF82-F8D5D95A3C8F}"/>
+                </a:ext>
+              </a:extLst>
+            </p:cNvPr>
+            <p:cNvSpPr txBox="1"/>
+            <p:nvPr/>
+          </p:nvSpPr>
+          <p:spPr>
+            <a:xfrm>
+              <a:off x="5612493" y="4355049"/>
+              <a:ext cx="664028" cy="307777"/>
+            </a:xfrm>
+            <a:prstGeom prst="rect">
+              <a:avLst/>
+            </a:prstGeom>
+            <a:noFill/>
+          </p:spPr>
+          <p:txBody>
+            <a:bodyPr wrap="square" rtlCol="0">
+              <a:spAutoFit/>
+            </a:bodyPr>
+            <a:lstStyle/>
+            <a:p>
+              <a:r>
+                <a:rPr lang="en-US" sz="1400" dirty="0" err="1"/>
+                <a:t>fibre</a:t>
+              </a:r>
+              <a:endParaRPr lang="en-US" sz="1400" dirty="0"/>
+            </a:p>
+          </p:txBody>
+        </p:sp>
+        <p:sp>
+          <p:nvSpPr>
+            <p:cNvPr id="11" name="TextBox 10">
+              <a:extLst>
+                <a:ext uri="{FF2B5EF4-FFF2-40B4-BE49-F238E27FC236}">
+                  <a16:creationId xmlns:a16="http://schemas.microsoft.com/office/drawing/2014/main" id="{7981DEF6-7983-0746-B9CA-44CE2FBAAE0D}"/>
+                </a:ext>
+              </a:extLst>
+            </p:cNvPr>
+            <p:cNvSpPr txBox="1"/>
+            <p:nvPr/>
+          </p:nvSpPr>
+          <p:spPr>
+            <a:xfrm>
+              <a:off x="8985676" y="4003301"/>
+              <a:ext cx="838200" cy="261610"/>
+            </a:xfrm>
+            <a:prstGeom prst="rect">
+              <a:avLst/>
+            </a:prstGeom>
+            <a:noFill/>
+          </p:spPr>
+          <p:txBody>
+            <a:bodyPr wrap="square" rtlCol="0">
+              <a:spAutoFit/>
+            </a:bodyPr>
+            <a:lstStyle/>
+            <a:p>
+              <a:r>
+                <a:rPr lang="en-US" sz="1100" dirty="0"/>
+                <a:t>air</a:t>
+              </a:r>
+            </a:p>
+          </p:txBody>
+        </p:sp>
+        <p:sp>
+          <p:nvSpPr>
+            <p:cNvPr id="12" name="TextBox 11">
+              <a:extLst>
+                <a:ext uri="{FF2B5EF4-FFF2-40B4-BE49-F238E27FC236}">
+                  <a16:creationId xmlns:a16="http://schemas.microsoft.com/office/drawing/2014/main" id="{E9C3C8C3-65D6-3747-8931-133B15F91413}"/>
+                </a:ext>
+              </a:extLst>
+            </p:cNvPr>
+            <p:cNvSpPr txBox="1"/>
+            <p:nvPr/>
+          </p:nvSpPr>
+          <p:spPr>
+            <a:xfrm>
+              <a:off x="8858082" y="3789738"/>
+              <a:ext cx="876300" cy="246221"/>
+            </a:xfrm>
+            <a:prstGeom prst="rect">
+              <a:avLst/>
+            </a:prstGeom>
+            <a:noFill/>
+          </p:spPr>
+          <p:txBody>
+            <a:bodyPr wrap="square" rtlCol="0">
+              <a:spAutoFit/>
+            </a:bodyPr>
+            <a:lstStyle/>
+            <a:p>
+              <a:r>
+                <a:rPr lang="en-US" sz="1000" dirty="0"/>
+                <a:t>water</a:t>
+              </a:r>
+            </a:p>
+          </p:txBody>
+        </p:sp>
+        <p:sp>
+          <p:nvSpPr>
+            <p:cNvPr id="13" name="TextBox 12">
+              <a:extLst>
+                <a:ext uri="{FF2B5EF4-FFF2-40B4-BE49-F238E27FC236}">
+                  <a16:creationId xmlns:a16="http://schemas.microsoft.com/office/drawing/2014/main" id="{67B6F6C9-B3A7-4F4E-8080-C23D0ED890AF}"/>
+                </a:ext>
+              </a:extLst>
+            </p:cNvPr>
+            <p:cNvSpPr txBox="1"/>
+            <p:nvPr/>
+          </p:nvSpPr>
+          <p:spPr>
+            <a:xfrm>
+              <a:off x="10784258" y="4355049"/>
+              <a:ext cx="664028" cy="307777"/>
+            </a:xfrm>
+            <a:prstGeom prst="rect">
+              <a:avLst/>
+            </a:prstGeom>
+            <a:noFill/>
+          </p:spPr>
+          <p:txBody>
+            <a:bodyPr wrap="square" rtlCol="0">
+              <a:spAutoFit/>
+            </a:bodyPr>
+            <a:lstStyle/>
+            <a:p>
+              <a:r>
+                <a:rPr lang="en-US" sz="1400" dirty="0" err="1"/>
+                <a:t>fibre</a:t>
+              </a:r>
+              <a:endParaRPr lang="en-US" sz="1400" dirty="0"/>
+            </a:p>
+          </p:txBody>
+        </p:sp>
+      </p:grpSp>
       <mc:AlternateContent xmlns:mc="http://schemas.openxmlformats.org/markup-compatibility/2006">
         <mc:Choice xmlns:a14="http://schemas.microsoft.com/office/drawing/2010/main" Requires="a14">
           <p:sp>
@@ -4994,104 +5691,95 @@
                   <a:rPr lang="en-GB" sz="3200" b="1" dirty="0"/>
                   <a:t>Curvature</a:t>
                 </a:r>
-                <a:endParaRPr lang="en-US" sz="3200" b="1" dirty="0"/>
               </a:p>
               <a:p>
-                <a:pPr marL="0" indent="0">
-                  <a:buNone/>
-                </a:pPr>
                 <a14:m>
-                  <m:oMathPara xmlns:m="http://schemas.openxmlformats.org/officeDocument/2006/math">
-                    <m:oMathParaPr>
-                      <m:jc m:val="centerGroup"/>
-                    </m:oMathParaPr>
-                    <m:oMath xmlns:m="http://schemas.openxmlformats.org/officeDocument/2006/math">
-                      <m:r>
-                        <a:rPr lang="en-GB" sz="3200" i="1" smtClean="0">
-                          <a:solidFill>
-                            <a:schemeClr val="bg1"/>
-                          </a:solidFill>
-                          <a:latin typeface="Cambria Math" panose="02040503050406030204" pitchFamily="18" charset="0"/>
-                          <a:ea typeface="Cambria Math" panose="02040503050406030204" pitchFamily="18" charset="0"/>
-                        </a:rPr>
-                        <m:t>𝜅</m:t>
-                      </m:r>
-                      <m:r>
-                        <a:rPr lang="en-GB" sz="3200" b="0" i="1" smtClean="0">
-                          <a:solidFill>
-                            <a:schemeClr val="bg1"/>
-                          </a:solidFill>
-                          <a:latin typeface="Cambria Math" panose="02040503050406030204" pitchFamily="18" charset="0"/>
-                          <a:ea typeface="Cambria Math" panose="02040503050406030204" pitchFamily="18" charset="0"/>
-                        </a:rPr>
-                        <m:t>=</m:t>
-                      </m:r>
-                      <m:f>
-                        <m:fPr>
-                          <m:ctrlPr>
-                            <a:rPr lang="en-GB" sz="3200" b="0" i="1" smtClean="0">
-                              <a:solidFill>
-                                <a:schemeClr val="bg1"/>
-                              </a:solidFill>
-                              <a:latin typeface="Cambria Math" panose="02040503050406030204" pitchFamily="18" charset="0"/>
-                              <a:ea typeface="Cambria Math" panose="02040503050406030204" pitchFamily="18" charset="0"/>
-                            </a:rPr>
-                          </m:ctrlPr>
-                        </m:fPr>
-                        <m:num>
-                          <m:r>
-                            <a:rPr lang="en-GB" sz="3200" b="0" i="1" smtClean="0">
-                              <a:solidFill>
-                                <a:schemeClr val="bg1"/>
-                              </a:solidFill>
-                              <a:latin typeface="Cambria Math" panose="02040503050406030204" pitchFamily="18" charset="0"/>
-                              <a:ea typeface="Cambria Math" panose="02040503050406030204" pitchFamily="18" charset="0"/>
-                            </a:rPr>
-                            <m:t>1</m:t>
-                          </m:r>
-                        </m:num>
-                        <m:den>
-                          <m:sSub>
-                            <m:sSubPr>
-                              <m:ctrlPr>
-                                <a:rPr lang="en-GB" sz="3200" b="0" i="1" smtClean="0">
-                                  <a:solidFill>
-                                    <a:schemeClr val="bg1"/>
-                                  </a:solidFill>
-                                  <a:latin typeface="Cambria Math" panose="02040503050406030204" pitchFamily="18" charset="0"/>
-                                  <a:ea typeface="Cambria Math" panose="02040503050406030204" pitchFamily="18" charset="0"/>
-                                </a:rPr>
-                              </m:ctrlPr>
-                            </m:sSubPr>
-                            <m:e>
-                              <m:r>
-                                <a:rPr lang="en-GB" sz="3200" b="0" i="1" smtClean="0">
-                                  <a:solidFill>
-                                    <a:schemeClr val="bg1"/>
-                                  </a:solidFill>
-                                  <a:latin typeface="Cambria Math" panose="02040503050406030204" pitchFamily="18" charset="0"/>
-                                  <a:ea typeface="Cambria Math" panose="02040503050406030204" pitchFamily="18" charset="0"/>
-                                </a:rPr>
-                                <m:t>𝑅</m:t>
-                              </m:r>
-                            </m:e>
-                            <m:sub>
-                              <m:r>
-                                <a:rPr lang="en-GB" sz="3200" b="0" i="1" smtClean="0">
-                                  <a:solidFill>
-                                    <a:schemeClr val="bg1"/>
-                                  </a:solidFill>
-                                  <a:latin typeface="Cambria Math" panose="02040503050406030204" pitchFamily="18" charset="0"/>
-                                  <a:ea typeface="Cambria Math" panose="02040503050406030204" pitchFamily="18" charset="0"/>
-                                </a:rPr>
-                                <m:t>𝑀</m:t>
-                              </m:r>
-                            </m:sub>
-                          </m:sSub>
-                        </m:den>
-                      </m:f>
-                    </m:oMath>
-                  </m:oMathPara>
+                  <m:oMath xmlns:m="http://schemas.openxmlformats.org/officeDocument/2006/math">
+                    <m:r>
+                      <a:rPr lang="en-GB" sz="3200" i="1" smtClean="0">
+                        <a:solidFill>
+                          <a:schemeClr val="bg1"/>
+                        </a:solidFill>
+                        <a:latin typeface="Cambria Math" panose="02040503050406030204" pitchFamily="18" charset="0"/>
+                        <a:ea typeface="Cambria Math" panose="02040503050406030204" pitchFamily="18" charset="0"/>
+                      </a:rPr>
+                      <m:t>𝜅</m:t>
+                    </m:r>
+                    <m:r>
+                      <a:rPr lang="en-GB" sz="3200" b="0" i="1" smtClean="0">
+                        <a:solidFill>
+                          <a:schemeClr val="bg1"/>
+                        </a:solidFill>
+                        <a:latin typeface="Cambria Math" panose="02040503050406030204" pitchFamily="18" charset="0"/>
+                        <a:ea typeface="Cambria Math" panose="02040503050406030204" pitchFamily="18" charset="0"/>
+                      </a:rPr>
+                      <m:t>=</m:t>
+                    </m:r>
+                    <m:f>
+                      <m:fPr>
+                        <m:ctrlPr>
+                          <a:rPr lang="en-GB" sz="3200" b="0" i="1" smtClean="0">
+                            <a:solidFill>
+                              <a:schemeClr val="bg1"/>
+                            </a:solidFill>
+                            <a:latin typeface="Cambria Math" panose="02040503050406030204" pitchFamily="18" charset="0"/>
+                            <a:ea typeface="Cambria Math" panose="02040503050406030204" pitchFamily="18" charset="0"/>
+                          </a:rPr>
+                        </m:ctrlPr>
+                      </m:fPr>
+                      <m:num>
+                        <m:r>
+                          <a:rPr lang="en-GB" sz="3200" b="0" i="1" smtClean="0">
+                            <a:solidFill>
+                              <a:schemeClr val="bg1"/>
+                            </a:solidFill>
+                            <a:latin typeface="Cambria Math" panose="02040503050406030204" pitchFamily="18" charset="0"/>
+                            <a:ea typeface="Cambria Math" panose="02040503050406030204" pitchFamily="18" charset="0"/>
+                          </a:rPr>
+                          <m:t>1</m:t>
+                        </m:r>
+                      </m:num>
+                      <m:den>
+                        <m:sSub>
+                          <m:sSubPr>
+                            <m:ctrlPr>
+                              <a:rPr lang="en-GB" sz="3200" b="0" i="1" smtClean="0">
+                                <a:solidFill>
+                                  <a:schemeClr val="bg1"/>
+                                </a:solidFill>
+                                <a:latin typeface="Cambria Math" panose="02040503050406030204" pitchFamily="18" charset="0"/>
+                                <a:ea typeface="Cambria Math" panose="02040503050406030204" pitchFamily="18" charset="0"/>
+                              </a:rPr>
+                            </m:ctrlPr>
+                          </m:sSubPr>
+                          <m:e>
+                            <m:r>
+                              <a:rPr lang="en-GB" sz="3200" b="0" i="1" smtClean="0">
+                                <a:solidFill>
+                                  <a:schemeClr val="bg1"/>
+                                </a:solidFill>
+                                <a:latin typeface="Cambria Math" panose="02040503050406030204" pitchFamily="18" charset="0"/>
+                                <a:ea typeface="Cambria Math" panose="02040503050406030204" pitchFamily="18" charset="0"/>
+                              </a:rPr>
+                              <m:t>𝑅</m:t>
+                            </m:r>
+                          </m:e>
+                          <m:sub>
+                            <m:r>
+                              <a:rPr lang="en-GB" sz="3200" b="0" i="1" smtClean="0">
+                                <a:solidFill>
+                                  <a:schemeClr val="bg1"/>
+                                </a:solidFill>
+                                <a:latin typeface="Cambria Math" panose="02040503050406030204" pitchFamily="18" charset="0"/>
+                                <a:ea typeface="Cambria Math" panose="02040503050406030204" pitchFamily="18" charset="0"/>
+                              </a:rPr>
+                              <m:t>𝑀</m:t>
+                            </m:r>
+                          </m:sub>
+                        </m:sSub>
+                      </m:den>
+                    </m:f>
+                  </m:oMath>
                 </a14:m>
                 <a:endParaRPr lang="en-GB" sz="3200" dirty="0"/>
               </a:p>
@@ -5109,6 +5797,9 @@
                   <m:oMath xmlns:m="http://schemas.openxmlformats.org/officeDocument/2006/math">
                     <m:r>
                       <a:rPr lang="en-GB" sz="3200" b="0" i="1" smtClean="0">
+                        <a:solidFill>
+                          <a:schemeClr val="bg1"/>
+                        </a:solidFill>
                         <a:latin typeface="Cambria Math" panose="02040503050406030204" pitchFamily="18" charset="0"/>
                       </a:rPr>
                       <m:t>𝛼</m:t>
@@ -5130,6 +5821,9 @@
                       <m:sSubPr>
                         <m:ctrlPr>
                           <a:rPr lang="en-GB" sz="3200" b="0" i="1" smtClean="0">
+                            <a:solidFill>
+                              <a:schemeClr val="bg1"/>
+                            </a:solidFill>
                             <a:latin typeface="Cambria Math" panose="02040503050406030204" pitchFamily="18" charset="0"/>
                             <a:ea typeface="Cambria Math" panose="02040503050406030204" pitchFamily="18" charset="0"/>
                           </a:rPr>
@@ -5138,6 +5832,9 @@
                       <m:e>
                         <m:r>
                           <a:rPr lang="en-GB" sz="3200" b="0" i="1" smtClean="0">
+                            <a:solidFill>
+                              <a:schemeClr val="bg1"/>
+                            </a:solidFill>
                             <a:latin typeface="Cambria Math" panose="02040503050406030204" pitchFamily="18" charset="0"/>
                             <a:ea typeface="Cambria Math" panose="02040503050406030204" pitchFamily="18" charset="0"/>
                           </a:rPr>
@@ -5147,6 +5844,9 @@
                       <m:sub>
                         <m:r>
                           <a:rPr lang="en-GB" sz="3200" b="0" i="1" smtClean="0">
+                            <a:solidFill>
+                              <a:schemeClr val="bg1"/>
+                            </a:solidFill>
                             <a:latin typeface="Cambria Math" panose="02040503050406030204" pitchFamily="18" charset="0"/>
                             <a:ea typeface="Cambria Math" panose="02040503050406030204" pitchFamily="18" charset="0"/>
                           </a:rPr>
@@ -5157,8 +5857,16 @@
                   </m:oMath>
                 </a14:m>
                 <a:r>
+                  <a:rPr lang="en-GB" sz="3200" dirty="0">
+                    <a:solidFill>
+                      <a:schemeClr val="bg1"/>
+                    </a:solidFill>
+                  </a:rPr>
+                  <a:t> </a:t>
+                </a:r>
+                <a:r>
                   <a:rPr lang="en-GB" sz="3200" dirty="0"/>
-                  <a:t> radius of curvature of the meniscus</a:t>
+                  <a:t>radius of curvature of the meniscus</a:t>
                 </a:r>
               </a:p>
             </p:txBody>
@@ -5181,9 +5889,9 @@
                 <a:ext cx="7161074" cy="4599753"/>
               </a:xfrm>
               <a:blipFill>
-                <a:blip r:embed="rId2"/>
+                <a:blip r:embed="rId5"/>
                 <a:stretch>
-                  <a:fillRect l="-1770" t="-2755" b="-3030"/>
+                  <a:fillRect l="-1770" t="-2755" b="-1102"/>
                 </a:stretch>
               </a:blipFill>
             </p:spPr>
@@ -5204,10 +5912,10 @@
       </mc:AlternateContent>
       <p:pic>
         <p:nvPicPr>
-          <p:cNvPr id="5" name="Picture 4">
+          <p:cNvPr id="16" name="Picture 15">
             <a:extLst>
               <a:ext uri="{FF2B5EF4-FFF2-40B4-BE49-F238E27FC236}">
-                <a16:creationId xmlns:a16="http://schemas.microsoft.com/office/drawing/2014/main" id="{4C18C7B1-34E2-624C-8527-9447F9EBA795}"/>
+                <a16:creationId xmlns:a16="http://schemas.microsoft.com/office/drawing/2014/main" id="{0AEDF25E-71DC-5B41-A4E3-3D55EEDF4EDF}"/>
               </a:ext>
             </a:extLst>
           </p:cNvPr>
@@ -5217,15 +5925,15 @@
           <p:nvPr/>
         </p:nvPicPr>
         <p:blipFill>
-          <a:blip r:embed="rId3"/>
+          <a:blip r:embed="rId6"/>
           <a:stretch>
             <a:fillRect/>
           </a:stretch>
         </p:blipFill>
         <p:spPr>
           <a:xfrm>
-            <a:off x="1639831" y="2416258"/>
-            <a:ext cx="1831209" cy="370878"/>
+            <a:off x="838200" y="5236029"/>
+            <a:ext cx="177800" cy="152400"/>
           </a:xfrm>
           <a:prstGeom prst="rect">
             <a:avLst/>
@@ -5234,10 +5942,10 @@
       </p:pic>
       <p:pic>
         <p:nvPicPr>
-          <p:cNvPr id="6" name="Picture 5">
+          <p:cNvPr id="17" name="Picture 16">
             <a:extLst>
               <a:ext uri="{FF2B5EF4-FFF2-40B4-BE49-F238E27FC236}">
-                <a16:creationId xmlns:a16="http://schemas.microsoft.com/office/drawing/2014/main" id="{A1925E9C-0B98-3D48-81CF-AC308E5248C6}"/>
+                <a16:creationId xmlns:a16="http://schemas.microsoft.com/office/drawing/2014/main" id="{97579EEC-DCF5-9341-8402-0B2B5AA409AA}"/>
               </a:ext>
             </a:extLst>
           </p:cNvPr>
@@ -5247,60 +5955,21 @@
           <p:nvPr/>
         </p:nvPicPr>
         <p:blipFill>
-          <a:blip r:embed="rId4"/>
+          <a:blip r:embed="rId7"/>
           <a:stretch>
             <a:fillRect/>
           </a:stretch>
         </p:blipFill>
         <p:spPr>
           <a:xfrm>
-            <a:off x="2238921" y="3427121"/>
-            <a:ext cx="1453593" cy="894518"/>
+            <a:off x="685800" y="5716970"/>
+            <a:ext cx="482600" cy="266700"/>
           </a:xfrm>
           <a:prstGeom prst="rect">
             <a:avLst/>
           </a:prstGeom>
         </p:spPr>
       </p:pic>
-      <p:sp>
-        <p:nvSpPr>
-          <p:cNvPr id="7" name="TextBox 6">
-            <a:extLst>
-              <a:ext uri="{FF2B5EF4-FFF2-40B4-BE49-F238E27FC236}">
-                <a16:creationId xmlns:a16="http://schemas.microsoft.com/office/drawing/2014/main" id="{969EBF78-7AF5-BC40-AF91-9BC0E629B075}"/>
-              </a:ext>
-            </a:extLst>
-          </p:cNvPr>
-          <p:cNvSpPr txBox="1"/>
-          <p:nvPr/>
-        </p:nvSpPr>
-        <p:spPr>
-          <a:xfrm>
-            <a:off x="6280832" y="1164963"/>
-            <a:ext cx="5425966" cy="4524315"/>
-          </a:xfrm>
-          <a:prstGeom prst="rect">
-            <a:avLst/>
-          </a:prstGeom>
-          <a:noFill/>
-        </p:spPr>
-        <p:txBody>
-          <a:bodyPr wrap="square" rtlCol="0">
-            <a:spAutoFit/>
-          </a:bodyPr>
-          <a:lstStyle/>
-          <a:p>
-            <a:r>
-              <a:rPr lang="en-US" sz="7200" b="1" dirty="0">
-                <a:highlight>
-                  <a:srgbClr val="FFFF00"/>
-                </a:highlight>
-              </a:rPr>
-              <a:t>ADD THE CORRECT DIAGRAM HERE!!!!!!!!!!!</a:t>
-            </a:r>
-          </a:p>
-        </p:txBody>
-      </p:sp>
     </p:spTree>
     <p:extLst>
       <p:ext uri="{BB962C8B-B14F-4D97-AF65-F5344CB8AC3E}">

--- a/Presentation/Presentation.pptx
+++ b/Presentation/Presentation.pptx
@@ -472,6 +472,879 @@
     </a:lvl9pPr>
   </p:notesStyle>
 </p:notesMaster>
+</file>
+
+<file path=ppt/notesSlides/notesSlide1.xml><?xml version="1.0" encoding="utf-8"?>
+<p:notes xmlns:a="http://schemas.openxmlformats.org/drawingml/2006/main" xmlns:r="http://schemas.openxmlformats.org/officeDocument/2006/relationships" xmlns:p="http://schemas.openxmlformats.org/presentationml/2006/main">
+  <p:cSld>
+    <p:spTree>
+      <p:nvGrpSpPr>
+        <p:cNvPr id="1" name=""/>
+        <p:cNvGrpSpPr/>
+        <p:nvPr/>
+      </p:nvGrpSpPr>
+      <p:grpSpPr>
+        <a:xfrm>
+          <a:off x="0" y="0"/>
+          <a:ext cx="0" cy="0"/>
+          <a:chOff x="0" y="0"/>
+          <a:chExt cx="0" cy="0"/>
+        </a:xfrm>
+      </p:grpSpPr>
+      <p:sp>
+        <p:nvSpPr>
+          <p:cNvPr id="2" name="Slide Image Placeholder 1"/>
+          <p:cNvSpPr>
+            <a:spLocks noGrp="1" noRot="1" noChangeAspect="1"/>
+          </p:cNvSpPr>
+          <p:nvPr>
+            <p:ph type="sldImg"/>
+          </p:nvPr>
+        </p:nvSpPr>
+        <p:spPr/>
+      </p:sp>
+      <p:sp>
+        <p:nvSpPr>
+          <p:cNvPr id="3" name="Notes Placeholder 2"/>
+          <p:cNvSpPr>
+            <a:spLocks noGrp="1"/>
+          </p:cNvSpPr>
+          <p:nvPr>
+            <p:ph type="body" idx="1"/>
+          </p:nvPr>
+        </p:nvSpPr>
+        <p:spPr/>
+        <p:txBody>
+          <a:bodyPr/>
+          <a:lstStyle/>
+          <a:p>
+            <a:r>
+              <a:rPr lang="en-US" dirty="0"/>
+              <a:t>Ollie</a:t>
+            </a:r>
+          </a:p>
+        </p:txBody>
+      </p:sp>
+      <p:sp>
+        <p:nvSpPr>
+          <p:cNvPr id="4" name="Slide Number Placeholder 3"/>
+          <p:cNvSpPr>
+            <a:spLocks noGrp="1"/>
+          </p:cNvSpPr>
+          <p:nvPr>
+            <p:ph type="sldNum" sz="quarter" idx="5"/>
+          </p:nvPr>
+        </p:nvSpPr>
+        <p:spPr/>
+        <p:txBody>
+          <a:bodyPr/>
+          <a:lstStyle/>
+          <a:p>
+            <a:fld id="{31B946FB-656A-5643-B654-E5E12D52D445}" type="slidenum">
+              <a:rPr lang="en-US" smtClean="0"/>
+              <a:t>2</a:t>
+            </a:fld>
+            <a:endParaRPr lang="en-US"/>
+          </a:p>
+        </p:txBody>
+      </p:sp>
+    </p:spTree>
+    <p:extLst>
+      <p:ext uri="{BB962C8B-B14F-4D97-AF65-F5344CB8AC3E}">
+        <p14:creationId xmlns:p14="http://schemas.microsoft.com/office/powerpoint/2010/main" val="581985920"/>
+      </p:ext>
+    </p:extLst>
+  </p:cSld>
+  <p:clrMapOvr>
+    <a:masterClrMapping/>
+  </p:clrMapOvr>
+</p:notes>
+</file>
+
+<file path=ppt/notesSlides/notesSlide10.xml><?xml version="1.0" encoding="utf-8"?>
+<p:notes xmlns:a="http://schemas.openxmlformats.org/drawingml/2006/main" xmlns:r="http://schemas.openxmlformats.org/officeDocument/2006/relationships" xmlns:p="http://schemas.openxmlformats.org/presentationml/2006/main">
+  <p:cSld>
+    <p:spTree>
+      <p:nvGrpSpPr>
+        <p:cNvPr id="1" name=""/>
+        <p:cNvGrpSpPr/>
+        <p:nvPr/>
+      </p:nvGrpSpPr>
+      <p:grpSpPr>
+        <a:xfrm>
+          <a:off x="0" y="0"/>
+          <a:ext cx="0" cy="0"/>
+          <a:chOff x="0" y="0"/>
+          <a:chExt cx="0" cy="0"/>
+        </a:xfrm>
+      </p:grpSpPr>
+      <p:sp>
+        <p:nvSpPr>
+          <p:cNvPr id="2" name="Slide Image Placeholder 1"/>
+          <p:cNvSpPr>
+            <a:spLocks noGrp="1" noRot="1" noChangeAspect="1"/>
+          </p:cNvSpPr>
+          <p:nvPr>
+            <p:ph type="sldImg"/>
+          </p:nvPr>
+        </p:nvSpPr>
+        <p:spPr/>
+      </p:sp>
+      <p:sp>
+        <p:nvSpPr>
+          <p:cNvPr id="3" name="Notes Placeholder 2"/>
+          <p:cNvSpPr>
+            <a:spLocks noGrp="1"/>
+          </p:cNvSpPr>
+          <p:nvPr>
+            <p:ph type="body" idx="1"/>
+          </p:nvPr>
+        </p:nvSpPr>
+        <p:spPr/>
+        <p:txBody>
+          <a:bodyPr/>
+          <a:lstStyle/>
+          <a:p>
+            <a:r>
+              <a:rPr lang="en-US" dirty="0"/>
+              <a:t>Meredith</a:t>
+            </a:r>
+          </a:p>
+        </p:txBody>
+      </p:sp>
+      <p:sp>
+        <p:nvSpPr>
+          <p:cNvPr id="4" name="Slide Number Placeholder 3"/>
+          <p:cNvSpPr>
+            <a:spLocks noGrp="1"/>
+          </p:cNvSpPr>
+          <p:nvPr>
+            <p:ph type="sldNum" sz="quarter" idx="5"/>
+          </p:nvPr>
+        </p:nvSpPr>
+        <p:spPr/>
+        <p:txBody>
+          <a:bodyPr/>
+          <a:lstStyle/>
+          <a:p>
+            <a:fld id="{31B946FB-656A-5643-B654-E5E12D52D445}" type="slidenum">
+              <a:rPr lang="en-US" smtClean="0"/>
+              <a:t>11</a:t>
+            </a:fld>
+            <a:endParaRPr lang="en-US"/>
+          </a:p>
+        </p:txBody>
+      </p:sp>
+    </p:spTree>
+    <p:extLst>
+      <p:ext uri="{BB962C8B-B14F-4D97-AF65-F5344CB8AC3E}">
+        <p14:creationId xmlns:p14="http://schemas.microsoft.com/office/powerpoint/2010/main" val="2669765258"/>
+      </p:ext>
+    </p:extLst>
+  </p:cSld>
+  <p:clrMapOvr>
+    <a:masterClrMapping/>
+  </p:clrMapOvr>
+</p:notes>
+</file>
+
+<file path=ppt/notesSlides/notesSlide2.xml><?xml version="1.0" encoding="utf-8"?>
+<p:notes xmlns:a="http://schemas.openxmlformats.org/drawingml/2006/main" xmlns:r="http://schemas.openxmlformats.org/officeDocument/2006/relationships" xmlns:p="http://schemas.openxmlformats.org/presentationml/2006/main">
+  <p:cSld>
+    <p:spTree>
+      <p:nvGrpSpPr>
+        <p:cNvPr id="1" name=""/>
+        <p:cNvGrpSpPr/>
+        <p:nvPr/>
+      </p:nvGrpSpPr>
+      <p:grpSpPr>
+        <a:xfrm>
+          <a:off x="0" y="0"/>
+          <a:ext cx="0" cy="0"/>
+          <a:chOff x="0" y="0"/>
+          <a:chExt cx="0" cy="0"/>
+        </a:xfrm>
+      </p:grpSpPr>
+      <p:sp>
+        <p:nvSpPr>
+          <p:cNvPr id="2" name="Slide Image Placeholder 1"/>
+          <p:cNvSpPr>
+            <a:spLocks noGrp="1" noRot="1" noChangeAspect="1"/>
+          </p:cNvSpPr>
+          <p:nvPr>
+            <p:ph type="sldImg"/>
+          </p:nvPr>
+        </p:nvSpPr>
+        <p:spPr/>
+      </p:sp>
+      <p:sp>
+        <p:nvSpPr>
+          <p:cNvPr id="3" name="Notes Placeholder 2"/>
+          <p:cNvSpPr>
+            <a:spLocks noGrp="1"/>
+          </p:cNvSpPr>
+          <p:nvPr>
+            <p:ph type="body" idx="1"/>
+          </p:nvPr>
+        </p:nvSpPr>
+        <p:spPr/>
+        <p:txBody>
+          <a:bodyPr/>
+          <a:lstStyle/>
+          <a:p>
+            <a:r>
+              <a:rPr lang="en-US" dirty="0"/>
+              <a:t>Ollie</a:t>
+            </a:r>
+          </a:p>
+        </p:txBody>
+      </p:sp>
+      <p:sp>
+        <p:nvSpPr>
+          <p:cNvPr id="4" name="Slide Number Placeholder 3"/>
+          <p:cNvSpPr>
+            <a:spLocks noGrp="1"/>
+          </p:cNvSpPr>
+          <p:nvPr>
+            <p:ph type="sldNum" sz="quarter" idx="5"/>
+          </p:nvPr>
+        </p:nvSpPr>
+        <p:spPr/>
+        <p:txBody>
+          <a:bodyPr/>
+          <a:lstStyle/>
+          <a:p>
+            <a:fld id="{31B946FB-656A-5643-B654-E5E12D52D445}" type="slidenum">
+              <a:rPr lang="en-US" smtClean="0"/>
+              <a:t>3</a:t>
+            </a:fld>
+            <a:endParaRPr lang="en-US"/>
+          </a:p>
+        </p:txBody>
+      </p:sp>
+    </p:spTree>
+    <p:extLst>
+      <p:ext uri="{BB962C8B-B14F-4D97-AF65-F5344CB8AC3E}">
+        <p14:creationId xmlns:p14="http://schemas.microsoft.com/office/powerpoint/2010/main" val="3420074781"/>
+      </p:ext>
+    </p:extLst>
+  </p:cSld>
+  <p:clrMapOvr>
+    <a:masterClrMapping/>
+  </p:clrMapOvr>
+</p:notes>
+</file>
+
+<file path=ppt/notesSlides/notesSlide3.xml><?xml version="1.0" encoding="utf-8"?>
+<p:notes xmlns:a="http://schemas.openxmlformats.org/drawingml/2006/main" xmlns:r="http://schemas.openxmlformats.org/officeDocument/2006/relationships" xmlns:p="http://schemas.openxmlformats.org/presentationml/2006/main">
+  <p:cSld>
+    <p:spTree>
+      <p:nvGrpSpPr>
+        <p:cNvPr id="1" name=""/>
+        <p:cNvGrpSpPr/>
+        <p:nvPr/>
+      </p:nvGrpSpPr>
+      <p:grpSpPr>
+        <a:xfrm>
+          <a:off x="0" y="0"/>
+          <a:ext cx="0" cy="0"/>
+          <a:chOff x="0" y="0"/>
+          <a:chExt cx="0" cy="0"/>
+        </a:xfrm>
+      </p:grpSpPr>
+      <p:sp>
+        <p:nvSpPr>
+          <p:cNvPr id="2" name="Slide Image Placeholder 1"/>
+          <p:cNvSpPr>
+            <a:spLocks noGrp="1" noRot="1" noChangeAspect="1"/>
+          </p:cNvSpPr>
+          <p:nvPr>
+            <p:ph type="sldImg"/>
+          </p:nvPr>
+        </p:nvSpPr>
+        <p:spPr/>
+      </p:sp>
+      <p:sp>
+        <p:nvSpPr>
+          <p:cNvPr id="3" name="Notes Placeholder 2"/>
+          <p:cNvSpPr>
+            <a:spLocks noGrp="1"/>
+          </p:cNvSpPr>
+          <p:nvPr>
+            <p:ph type="body" idx="1"/>
+          </p:nvPr>
+        </p:nvSpPr>
+        <p:spPr/>
+        <p:txBody>
+          <a:bodyPr/>
+          <a:lstStyle/>
+          <a:p>
+            <a:r>
+              <a:rPr lang="en-US" dirty="0"/>
+              <a:t>Ollie</a:t>
+            </a:r>
+          </a:p>
+        </p:txBody>
+      </p:sp>
+      <p:sp>
+        <p:nvSpPr>
+          <p:cNvPr id="4" name="Slide Number Placeholder 3"/>
+          <p:cNvSpPr>
+            <a:spLocks noGrp="1"/>
+          </p:cNvSpPr>
+          <p:nvPr>
+            <p:ph type="sldNum" sz="quarter" idx="5"/>
+          </p:nvPr>
+        </p:nvSpPr>
+        <p:spPr/>
+        <p:txBody>
+          <a:bodyPr/>
+          <a:lstStyle/>
+          <a:p>
+            <a:fld id="{31B946FB-656A-5643-B654-E5E12D52D445}" type="slidenum">
+              <a:rPr lang="en-US" smtClean="0"/>
+              <a:t>4</a:t>
+            </a:fld>
+            <a:endParaRPr lang="en-US"/>
+          </a:p>
+        </p:txBody>
+      </p:sp>
+    </p:spTree>
+    <p:extLst>
+      <p:ext uri="{BB962C8B-B14F-4D97-AF65-F5344CB8AC3E}">
+        <p14:creationId xmlns:p14="http://schemas.microsoft.com/office/powerpoint/2010/main" val="1906574839"/>
+      </p:ext>
+    </p:extLst>
+  </p:cSld>
+  <p:clrMapOvr>
+    <a:masterClrMapping/>
+  </p:clrMapOvr>
+</p:notes>
+</file>
+
+<file path=ppt/notesSlides/notesSlide4.xml><?xml version="1.0" encoding="utf-8"?>
+<p:notes xmlns:a="http://schemas.openxmlformats.org/drawingml/2006/main" xmlns:r="http://schemas.openxmlformats.org/officeDocument/2006/relationships" xmlns:p="http://schemas.openxmlformats.org/presentationml/2006/main">
+  <p:cSld>
+    <p:spTree>
+      <p:nvGrpSpPr>
+        <p:cNvPr id="1" name=""/>
+        <p:cNvGrpSpPr/>
+        <p:nvPr/>
+      </p:nvGrpSpPr>
+      <p:grpSpPr>
+        <a:xfrm>
+          <a:off x="0" y="0"/>
+          <a:ext cx="0" cy="0"/>
+          <a:chOff x="0" y="0"/>
+          <a:chExt cx="0" cy="0"/>
+        </a:xfrm>
+      </p:grpSpPr>
+      <p:sp>
+        <p:nvSpPr>
+          <p:cNvPr id="2" name="Slide Image Placeholder 1"/>
+          <p:cNvSpPr>
+            <a:spLocks noGrp="1" noRot="1" noChangeAspect="1"/>
+          </p:cNvSpPr>
+          <p:nvPr>
+            <p:ph type="sldImg"/>
+          </p:nvPr>
+        </p:nvSpPr>
+        <p:spPr/>
+      </p:sp>
+      <p:sp>
+        <p:nvSpPr>
+          <p:cNvPr id="3" name="Notes Placeholder 2"/>
+          <p:cNvSpPr>
+            <a:spLocks noGrp="1"/>
+          </p:cNvSpPr>
+          <p:nvPr>
+            <p:ph type="body" idx="1"/>
+          </p:nvPr>
+        </p:nvSpPr>
+        <p:spPr/>
+        <p:txBody>
+          <a:bodyPr/>
+          <a:lstStyle/>
+          <a:p>
+            <a:r>
+              <a:rPr lang="en-US" dirty="0"/>
+              <a:t>Nicolas</a:t>
+            </a:r>
+          </a:p>
+        </p:txBody>
+      </p:sp>
+      <p:sp>
+        <p:nvSpPr>
+          <p:cNvPr id="4" name="Slide Number Placeholder 3"/>
+          <p:cNvSpPr>
+            <a:spLocks noGrp="1"/>
+          </p:cNvSpPr>
+          <p:nvPr>
+            <p:ph type="sldNum" sz="quarter" idx="5"/>
+          </p:nvPr>
+        </p:nvSpPr>
+        <p:spPr/>
+        <p:txBody>
+          <a:bodyPr/>
+          <a:lstStyle/>
+          <a:p>
+            <a:fld id="{31B946FB-656A-5643-B654-E5E12D52D445}" type="slidenum">
+              <a:rPr lang="en-US" smtClean="0"/>
+              <a:t>5</a:t>
+            </a:fld>
+            <a:endParaRPr lang="en-US"/>
+          </a:p>
+        </p:txBody>
+      </p:sp>
+    </p:spTree>
+    <p:extLst>
+      <p:ext uri="{BB962C8B-B14F-4D97-AF65-F5344CB8AC3E}">
+        <p14:creationId xmlns:p14="http://schemas.microsoft.com/office/powerpoint/2010/main" val="243797464"/>
+      </p:ext>
+    </p:extLst>
+  </p:cSld>
+  <p:clrMapOvr>
+    <a:masterClrMapping/>
+  </p:clrMapOvr>
+</p:notes>
+</file>
+
+<file path=ppt/notesSlides/notesSlide5.xml><?xml version="1.0" encoding="utf-8"?>
+<p:notes xmlns:a="http://schemas.openxmlformats.org/drawingml/2006/main" xmlns:r="http://schemas.openxmlformats.org/officeDocument/2006/relationships" xmlns:p="http://schemas.openxmlformats.org/presentationml/2006/main">
+  <p:cSld>
+    <p:spTree>
+      <p:nvGrpSpPr>
+        <p:cNvPr id="1" name=""/>
+        <p:cNvGrpSpPr/>
+        <p:nvPr/>
+      </p:nvGrpSpPr>
+      <p:grpSpPr>
+        <a:xfrm>
+          <a:off x="0" y="0"/>
+          <a:ext cx="0" cy="0"/>
+          <a:chOff x="0" y="0"/>
+          <a:chExt cx="0" cy="0"/>
+        </a:xfrm>
+      </p:grpSpPr>
+      <p:sp>
+        <p:nvSpPr>
+          <p:cNvPr id="2" name="Slide Image Placeholder 1"/>
+          <p:cNvSpPr>
+            <a:spLocks noGrp="1" noRot="1" noChangeAspect="1"/>
+          </p:cNvSpPr>
+          <p:nvPr>
+            <p:ph type="sldImg"/>
+          </p:nvPr>
+        </p:nvSpPr>
+        <p:spPr/>
+      </p:sp>
+      <p:sp>
+        <p:nvSpPr>
+          <p:cNvPr id="3" name="Notes Placeholder 2"/>
+          <p:cNvSpPr>
+            <a:spLocks noGrp="1"/>
+          </p:cNvSpPr>
+          <p:nvPr>
+            <p:ph type="body" idx="1"/>
+          </p:nvPr>
+        </p:nvSpPr>
+        <p:spPr/>
+        <p:txBody>
+          <a:bodyPr/>
+          <a:lstStyle/>
+          <a:p>
+            <a:r>
+              <a:rPr lang="en-US" dirty="0"/>
+              <a:t>Nicolas</a:t>
+            </a:r>
+          </a:p>
+        </p:txBody>
+      </p:sp>
+      <p:sp>
+        <p:nvSpPr>
+          <p:cNvPr id="4" name="Slide Number Placeholder 3"/>
+          <p:cNvSpPr>
+            <a:spLocks noGrp="1"/>
+          </p:cNvSpPr>
+          <p:nvPr>
+            <p:ph type="sldNum" sz="quarter" idx="5"/>
+          </p:nvPr>
+        </p:nvSpPr>
+        <p:spPr/>
+        <p:txBody>
+          <a:bodyPr/>
+          <a:lstStyle/>
+          <a:p>
+            <a:fld id="{31B946FB-656A-5643-B654-E5E12D52D445}" type="slidenum">
+              <a:rPr lang="en-US" smtClean="0"/>
+              <a:t>6</a:t>
+            </a:fld>
+            <a:endParaRPr lang="en-US"/>
+          </a:p>
+        </p:txBody>
+      </p:sp>
+    </p:spTree>
+    <p:extLst>
+      <p:ext uri="{BB962C8B-B14F-4D97-AF65-F5344CB8AC3E}">
+        <p14:creationId xmlns:p14="http://schemas.microsoft.com/office/powerpoint/2010/main" val="376577991"/>
+      </p:ext>
+    </p:extLst>
+  </p:cSld>
+  <p:clrMapOvr>
+    <a:masterClrMapping/>
+  </p:clrMapOvr>
+</p:notes>
+</file>
+
+<file path=ppt/notesSlides/notesSlide6.xml><?xml version="1.0" encoding="utf-8"?>
+<p:notes xmlns:a="http://schemas.openxmlformats.org/drawingml/2006/main" xmlns:r="http://schemas.openxmlformats.org/officeDocument/2006/relationships" xmlns:p="http://schemas.openxmlformats.org/presentationml/2006/main">
+  <p:cSld>
+    <p:spTree>
+      <p:nvGrpSpPr>
+        <p:cNvPr id="1" name=""/>
+        <p:cNvGrpSpPr/>
+        <p:nvPr/>
+      </p:nvGrpSpPr>
+      <p:grpSpPr>
+        <a:xfrm>
+          <a:off x="0" y="0"/>
+          <a:ext cx="0" cy="0"/>
+          <a:chOff x="0" y="0"/>
+          <a:chExt cx="0" cy="0"/>
+        </a:xfrm>
+      </p:grpSpPr>
+      <p:sp>
+        <p:nvSpPr>
+          <p:cNvPr id="2" name="Slide Image Placeholder 1"/>
+          <p:cNvSpPr>
+            <a:spLocks noGrp="1" noRot="1" noChangeAspect="1"/>
+          </p:cNvSpPr>
+          <p:nvPr>
+            <p:ph type="sldImg"/>
+          </p:nvPr>
+        </p:nvSpPr>
+        <p:spPr/>
+      </p:sp>
+      <p:sp>
+        <p:nvSpPr>
+          <p:cNvPr id="3" name="Notes Placeholder 2"/>
+          <p:cNvSpPr>
+            <a:spLocks noGrp="1"/>
+          </p:cNvSpPr>
+          <p:nvPr>
+            <p:ph type="body" idx="1"/>
+          </p:nvPr>
+        </p:nvSpPr>
+        <p:spPr/>
+        <p:txBody>
+          <a:bodyPr/>
+          <a:lstStyle/>
+          <a:p>
+            <a:r>
+              <a:rPr lang="en-US" dirty="0" err="1"/>
+              <a:t>Huining</a:t>
+            </a:r>
+            <a:endParaRPr lang="en-US" dirty="0"/>
+          </a:p>
+        </p:txBody>
+      </p:sp>
+      <p:sp>
+        <p:nvSpPr>
+          <p:cNvPr id="4" name="Slide Number Placeholder 3"/>
+          <p:cNvSpPr>
+            <a:spLocks noGrp="1"/>
+          </p:cNvSpPr>
+          <p:nvPr>
+            <p:ph type="sldNum" sz="quarter" idx="5"/>
+          </p:nvPr>
+        </p:nvSpPr>
+        <p:spPr/>
+        <p:txBody>
+          <a:bodyPr/>
+          <a:lstStyle/>
+          <a:p>
+            <a:fld id="{31B946FB-656A-5643-B654-E5E12D52D445}" type="slidenum">
+              <a:rPr lang="en-US" smtClean="0"/>
+              <a:t>7</a:t>
+            </a:fld>
+            <a:endParaRPr lang="en-US"/>
+          </a:p>
+        </p:txBody>
+      </p:sp>
+    </p:spTree>
+    <p:extLst>
+      <p:ext uri="{BB962C8B-B14F-4D97-AF65-F5344CB8AC3E}">
+        <p14:creationId xmlns:p14="http://schemas.microsoft.com/office/powerpoint/2010/main" val="3910725470"/>
+      </p:ext>
+    </p:extLst>
+  </p:cSld>
+  <p:clrMapOvr>
+    <a:masterClrMapping/>
+  </p:clrMapOvr>
+</p:notes>
+</file>
+
+<file path=ppt/notesSlides/notesSlide7.xml><?xml version="1.0" encoding="utf-8"?>
+<p:notes xmlns:a="http://schemas.openxmlformats.org/drawingml/2006/main" xmlns:r="http://schemas.openxmlformats.org/officeDocument/2006/relationships" xmlns:p="http://schemas.openxmlformats.org/presentationml/2006/main">
+  <p:cSld>
+    <p:spTree>
+      <p:nvGrpSpPr>
+        <p:cNvPr id="1" name=""/>
+        <p:cNvGrpSpPr/>
+        <p:nvPr/>
+      </p:nvGrpSpPr>
+      <p:grpSpPr>
+        <a:xfrm>
+          <a:off x="0" y="0"/>
+          <a:ext cx="0" cy="0"/>
+          <a:chOff x="0" y="0"/>
+          <a:chExt cx="0" cy="0"/>
+        </a:xfrm>
+      </p:grpSpPr>
+      <p:sp>
+        <p:nvSpPr>
+          <p:cNvPr id="2" name="Slide Image Placeholder 1"/>
+          <p:cNvSpPr>
+            <a:spLocks noGrp="1" noRot="1" noChangeAspect="1"/>
+          </p:cNvSpPr>
+          <p:nvPr>
+            <p:ph type="sldImg"/>
+          </p:nvPr>
+        </p:nvSpPr>
+        <p:spPr/>
+      </p:sp>
+      <p:sp>
+        <p:nvSpPr>
+          <p:cNvPr id="3" name="Notes Placeholder 2"/>
+          <p:cNvSpPr>
+            <a:spLocks noGrp="1"/>
+          </p:cNvSpPr>
+          <p:nvPr>
+            <p:ph type="body" idx="1"/>
+          </p:nvPr>
+        </p:nvSpPr>
+        <p:spPr/>
+        <p:txBody>
+          <a:bodyPr/>
+          <a:lstStyle/>
+          <a:p>
+            <a:r>
+              <a:rPr lang="en-US" dirty="0" err="1"/>
+              <a:t>Huining</a:t>
+            </a:r>
+            <a:endParaRPr lang="en-US" dirty="0"/>
+          </a:p>
+        </p:txBody>
+      </p:sp>
+      <p:sp>
+        <p:nvSpPr>
+          <p:cNvPr id="4" name="Slide Number Placeholder 3"/>
+          <p:cNvSpPr>
+            <a:spLocks noGrp="1"/>
+          </p:cNvSpPr>
+          <p:nvPr>
+            <p:ph type="sldNum" sz="quarter" idx="5"/>
+          </p:nvPr>
+        </p:nvSpPr>
+        <p:spPr/>
+        <p:txBody>
+          <a:bodyPr/>
+          <a:lstStyle/>
+          <a:p>
+            <a:fld id="{31B946FB-656A-5643-B654-E5E12D52D445}" type="slidenum">
+              <a:rPr lang="en-US" smtClean="0"/>
+              <a:t>8</a:t>
+            </a:fld>
+            <a:endParaRPr lang="en-US"/>
+          </a:p>
+        </p:txBody>
+      </p:sp>
+    </p:spTree>
+    <p:extLst>
+      <p:ext uri="{BB962C8B-B14F-4D97-AF65-F5344CB8AC3E}">
+        <p14:creationId xmlns:p14="http://schemas.microsoft.com/office/powerpoint/2010/main" val="3849180672"/>
+      </p:ext>
+    </p:extLst>
+  </p:cSld>
+  <p:clrMapOvr>
+    <a:masterClrMapping/>
+  </p:clrMapOvr>
+</p:notes>
+</file>
+
+<file path=ppt/notesSlides/notesSlide8.xml><?xml version="1.0" encoding="utf-8"?>
+<p:notes xmlns:a="http://schemas.openxmlformats.org/drawingml/2006/main" xmlns:r="http://schemas.openxmlformats.org/officeDocument/2006/relationships" xmlns:p="http://schemas.openxmlformats.org/presentationml/2006/main">
+  <p:cSld>
+    <p:spTree>
+      <p:nvGrpSpPr>
+        <p:cNvPr id="1" name=""/>
+        <p:cNvGrpSpPr/>
+        <p:nvPr/>
+      </p:nvGrpSpPr>
+      <p:grpSpPr>
+        <a:xfrm>
+          <a:off x="0" y="0"/>
+          <a:ext cx="0" cy="0"/>
+          <a:chOff x="0" y="0"/>
+          <a:chExt cx="0" cy="0"/>
+        </a:xfrm>
+      </p:grpSpPr>
+      <p:sp>
+        <p:nvSpPr>
+          <p:cNvPr id="2" name="Slide Image Placeholder 1"/>
+          <p:cNvSpPr>
+            <a:spLocks noGrp="1" noRot="1" noChangeAspect="1"/>
+          </p:cNvSpPr>
+          <p:nvPr>
+            <p:ph type="sldImg"/>
+          </p:nvPr>
+        </p:nvSpPr>
+        <p:spPr/>
+      </p:sp>
+      <p:sp>
+        <p:nvSpPr>
+          <p:cNvPr id="3" name="Notes Placeholder 2"/>
+          <p:cNvSpPr>
+            <a:spLocks noGrp="1"/>
+          </p:cNvSpPr>
+          <p:nvPr>
+            <p:ph type="body" idx="1"/>
+          </p:nvPr>
+        </p:nvSpPr>
+        <p:spPr/>
+        <p:txBody>
+          <a:bodyPr/>
+          <a:lstStyle/>
+          <a:p>
+            <a:r>
+              <a:rPr lang="en-US" dirty="0" err="1"/>
+              <a:t>Huining</a:t>
+            </a:r>
+            <a:endParaRPr lang="en-US" dirty="0"/>
+          </a:p>
+        </p:txBody>
+      </p:sp>
+      <p:sp>
+        <p:nvSpPr>
+          <p:cNvPr id="4" name="Slide Number Placeholder 3"/>
+          <p:cNvSpPr>
+            <a:spLocks noGrp="1"/>
+          </p:cNvSpPr>
+          <p:nvPr>
+            <p:ph type="sldNum" sz="quarter" idx="5"/>
+          </p:nvPr>
+        </p:nvSpPr>
+        <p:spPr/>
+        <p:txBody>
+          <a:bodyPr/>
+          <a:lstStyle/>
+          <a:p>
+            <a:fld id="{31B946FB-656A-5643-B654-E5E12D52D445}" type="slidenum">
+              <a:rPr lang="en-US" smtClean="0"/>
+              <a:t>9</a:t>
+            </a:fld>
+            <a:endParaRPr lang="en-US"/>
+          </a:p>
+        </p:txBody>
+      </p:sp>
+    </p:spTree>
+    <p:extLst>
+      <p:ext uri="{BB962C8B-B14F-4D97-AF65-F5344CB8AC3E}">
+        <p14:creationId xmlns:p14="http://schemas.microsoft.com/office/powerpoint/2010/main" val="64817393"/>
+      </p:ext>
+    </p:extLst>
+  </p:cSld>
+  <p:clrMapOvr>
+    <a:masterClrMapping/>
+  </p:clrMapOvr>
+</p:notes>
+</file>
+
+<file path=ppt/notesSlides/notesSlide9.xml><?xml version="1.0" encoding="utf-8"?>
+<p:notes xmlns:a="http://schemas.openxmlformats.org/drawingml/2006/main" xmlns:r="http://schemas.openxmlformats.org/officeDocument/2006/relationships" xmlns:p="http://schemas.openxmlformats.org/presentationml/2006/main">
+  <p:cSld>
+    <p:spTree>
+      <p:nvGrpSpPr>
+        <p:cNvPr id="1" name=""/>
+        <p:cNvGrpSpPr/>
+        <p:nvPr/>
+      </p:nvGrpSpPr>
+      <p:grpSpPr>
+        <a:xfrm>
+          <a:off x="0" y="0"/>
+          <a:ext cx="0" cy="0"/>
+          <a:chOff x="0" y="0"/>
+          <a:chExt cx="0" cy="0"/>
+        </a:xfrm>
+      </p:grpSpPr>
+      <p:sp>
+        <p:nvSpPr>
+          <p:cNvPr id="2" name="Slide Image Placeholder 1"/>
+          <p:cNvSpPr>
+            <a:spLocks noGrp="1" noRot="1" noChangeAspect="1"/>
+          </p:cNvSpPr>
+          <p:nvPr>
+            <p:ph type="sldImg"/>
+          </p:nvPr>
+        </p:nvSpPr>
+        <p:spPr/>
+      </p:sp>
+      <p:sp>
+        <p:nvSpPr>
+          <p:cNvPr id="3" name="Notes Placeholder 2"/>
+          <p:cNvSpPr>
+            <a:spLocks noGrp="1"/>
+          </p:cNvSpPr>
+          <p:nvPr>
+            <p:ph type="body" idx="1"/>
+          </p:nvPr>
+        </p:nvSpPr>
+        <p:spPr/>
+        <p:txBody>
+          <a:bodyPr/>
+          <a:lstStyle/>
+          <a:p>
+            <a:r>
+              <a:rPr lang="en-US" dirty="0"/>
+              <a:t>Meredith</a:t>
+            </a:r>
+          </a:p>
+        </p:txBody>
+      </p:sp>
+      <p:sp>
+        <p:nvSpPr>
+          <p:cNvPr id="4" name="Slide Number Placeholder 3"/>
+          <p:cNvSpPr>
+            <a:spLocks noGrp="1"/>
+          </p:cNvSpPr>
+          <p:nvPr>
+            <p:ph type="sldNum" sz="quarter" idx="5"/>
+          </p:nvPr>
+        </p:nvSpPr>
+        <p:spPr/>
+        <p:txBody>
+          <a:bodyPr/>
+          <a:lstStyle/>
+          <a:p>
+            <a:fld id="{31B946FB-656A-5643-B654-E5E12D52D445}" type="slidenum">
+              <a:rPr lang="en-US" smtClean="0"/>
+              <a:t>10</a:t>
+            </a:fld>
+            <a:endParaRPr lang="en-US"/>
+          </a:p>
+        </p:txBody>
+      </p:sp>
+    </p:spTree>
+    <p:extLst>
+      <p:ext uri="{BB962C8B-B14F-4D97-AF65-F5344CB8AC3E}">
+        <p14:creationId xmlns:p14="http://schemas.microsoft.com/office/powerpoint/2010/main" val="1394840358"/>
+      </p:ext>
+    </p:extLst>
+  </p:cSld>
+  <p:clrMapOvr>
+    <a:masterClrMapping/>
+  </p:clrMapOvr>
+</p:notes>
 </file>
 
 <file path=ppt/slideLayouts/slideLayout1.xml><?xml version="1.0" encoding="utf-8"?>
@@ -3522,7 +4395,7 @@
           <p:nvPr/>
         </p:nvPicPr>
         <p:blipFill>
-          <a:blip r:embed="rId2"/>
+          <a:blip r:embed="rId3"/>
           <a:stretch>
             <a:fillRect/>
           </a:stretch>
@@ -3552,7 +4425,7 @@
           <p:nvPr/>
         </p:nvPicPr>
         <p:blipFill>
-          <a:blip r:embed="rId3"/>
+          <a:blip r:embed="rId4"/>
           <a:stretch>
             <a:fillRect/>
           </a:stretch>
@@ -3695,7 +4568,7 @@
           <p:nvPr/>
         </p:nvPicPr>
         <p:blipFill>
-          <a:blip r:embed="rId4"/>
+          <a:blip r:embed="rId5"/>
           <a:stretch>
             <a:fillRect/>
           </a:stretch>
@@ -3760,7 +4633,7 @@
           <p:nvPr/>
         </p:nvPicPr>
         <p:blipFill>
-          <a:blip r:embed="rId5"/>
+          <a:blip r:embed="rId6"/>
           <a:stretch>
             <a:fillRect/>
           </a:stretch>
@@ -3825,7 +4698,7 @@
           <p:nvPr/>
         </p:nvPicPr>
         <p:blipFill>
-          <a:blip r:embed="rId6"/>
+          <a:blip r:embed="rId7"/>
           <a:stretch>
             <a:fillRect/>
           </a:stretch>
@@ -3907,7 +4780,7 @@
           <p:nvPr/>
         </p:nvPicPr>
         <p:blipFill>
-          <a:blip r:embed="rId2"/>
+          <a:blip r:embed="rId3"/>
           <a:stretch>
             <a:fillRect/>
           </a:stretch>
@@ -3937,7 +4810,7 @@
           <p:nvPr/>
         </p:nvPicPr>
         <p:blipFill rotWithShape="1">
-          <a:blip r:embed="rId3">
+          <a:blip r:embed="rId4">
             <a:extLst>
               <a:ext uri="{28A0092B-C50C-407E-A947-70E740481C1C}">
                 <a14:useLocalDpi xmlns:a14="http://schemas.microsoft.com/office/drawing/2010/main" val="0"/>
@@ -3982,7 +4855,7 @@
           <p:nvPr/>
         </p:nvPicPr>
         <p:blipFill rotWithShape="1">
-          <a:blip r:embed="rId3">
+          <a:blip r:embed="rId4">
             <a:extLst>
               <a:ext uri="{28A0092B-C50C-407E-A947-70E740481C1C}">
                 <a14:useLocalDpi xmlns:a14="http://schemas.microsoft.com/office/drawing/2010/main" val="0"/>
@@ -4029,7 +4902,7 @@
           </p:nvPr>
         </p:nvPicPr>
         <p:blipFill>
-          <a:blip r:embed="rId4">
+          <a:blip r:embed="rId5">
             <a:extLst>
               <a:ext uri="{28A0092B-C50C-407E-A947-70E740481C1C}">
                 <a14:useLocalDpi xmlns:a14="http://schemas.microsoft.com/office/drawing/2010/main" val="0"/>
@@ -4584,7 +5457,7 @@
           <p:nvPr/>
         </p:nvPicPr>
         <p:blipFill>
-          <a:blip r:embed="rId2">
+          <a:blip r:embed="rId3">
             <a:extLst>
               <a:ext uri="{28A0092B-C50C-407E-A947-70E740481C1C}">
                 <a14:useLocalDpi xmlns:a14="http://schemas.microsoft.com/office/drawing/2010/main" val="0"/>
@@ -5395,7 +6268,7 @@
           <p:nvPr/>
         </p:nvPicPr>
         <p:blipFill>
-          <a:blip r:embed="rId2"/>
+          <a:blip r:embed="rId3"/>
           <a:stretch>
             <a:fillRect/>
           </a:stretch>
@@ -5425,7 +6298,7 @@
           <p:nvPr/>
         </p:nvPicPr>
         <p:blipFill>
-          <a:blip r:embed="rId3"/>
+          <a:blip r:embed="rId4"/>
           <a:stretch>
             <a:fillRect/>
           </a:stretch>
@@ -5477,7 +6350,7 @@
             <p:nvPr/>
           </p:nvPicPr>
           <p:blipFill>
-            <a:blip r:embed="rId4">
+            <a:blip r:embed="rId5">
               <a:extLst>
                 <a:ext uri="{28A0092B-C50C-407E-A947-70E740481C1C}">
                   <a14:useLocalDpi xmlns:a14="http://schemas.microsoft.com/office/drawing/2010/main" val="0"/>
@@ -5889,7 +6762,7 @@
                 <a:ext cx="7161074" cy="4599753"/>
               </a:xfrm>
               <a:blipFill>
-                <a:blip r:embed="rId5"/>
+                <a:blip r:embed="rId6"/>
                 <a:stretch>
                   <a:fillRect l="-1770" t="-2755" b="-1102"/>
                 </a:stretch>
@@ -5925,7 +6798,7 @@
           <p:nvPr/>
         </p:nvPicPr>
         <p:blipFill>
-          <a:blip r:embed="rId6"/>
+          <a:blip r:embed="rId7"/>
           <a:stretch>
             <a:fillRect/>
           </a:stretch>
@@ -5955,7 +6828,7 @@
           <p:nvPr/>
         </p:nvPicPr>
         <p:blipFill>
-          <a:blip r:embed="rId7"/>
+          <a:blip r:embed="rId8"/>
           <a:stretch>
             <a:fillRect/>
           </a:stretch>
@@ -6038,7 +6911,7 @@
           <p:nvPr/>
         </p:nvPicPr>
         <p:blipFill>
-          <a:blip r:embed="rId2"/>
+          <a:blip r:embed="rId3"/>
           <a:stretch>
             <a:fillRect/>
           </a:stretch>
@@ -6153,7 +7026,7 @@
           <p:nvPr/>
         </p:nvPicPr>
         <p:blipFill>
-          <a:blip r:embed="rId2"/>
+          <a:blip r:embed="rId3"/>
           <a:stretch>
             <a:fillRect/>
           </a:stretch>
@@ -6183,7 +7056,7 @@
           <p:nvPr/>
         </p:nvPicPr>
         <p:blipFill rotWithShape="1">
-          <a:blip r:embed="rId3">
+          <a:blip r:embed="rId4">
             <a:extLst>
               <a:ext uri="{28A0092B-C50C-407E-A947-70E740481C1C}">
                 <a14:useLocalDpi xmlns:a14="http://schemas.microsoft.com/office/drawing/2010/main" val="0"/>
@@ -6255,7 +7128,7 @@
           <p:nvPr/>
         </p:nvPicPr>
         <p:blipFill>
-          <a:blip r:embed="rId4"/>
+          <a:blip r:embed="rId5"/>
           <a:stretch>
             <a:fillRect/>
           </a:stretch>
@@ -6285,7 +7158,7 @@
           <p:nvPr/>
         </p:nvPicPr>
         <p:blipFill>
-          <a:blip r:embed="rId5">
+          <a:blip r:embed="rId6">
             <a:extLst>
               <a:ext uri="{28A0092B-C50C-407E-A947-70E740481C1C}">
                 <a14:useLocalDpi xmlns:a14="http://schemas.microsoft.com/office/drawing/2010/main" val="0"/>
@@ -6321,7 +7194,7 @@
           <p:nvPr/>
         </p:nvPicPr>
         <p:blipFill>
-          <a:blip r:embed="rId6">
+          <a:blip r:embed="rId7">
             <a:extLst>
               <a:ext uri="{28A0092B-C50C-407E-A947-70E740481C1C}">
                 <a14:useLocalDpi xmlns:a14="http://schemas.microsoft.com/office/drawing/2010/main" val="0"/>
@@ -6395,7 +7268,7 @@
             <p:nvPr/>
           </p:nvPicPr>
           <p:blipFill>
-            <a:blip r:embed="rId2"/>
+            <a:blip r:embed="rId3"/>
             <a:stretch>
               <a:fillRect/>
             </a:stretch>
@@ -6493,7 +7366,7 @@
           <p:nvPr/>
         </p:nvPicPr>
         <p:blipFill>
-          <a:blip r:embed="rId3"/>
+          <a:blip r:embed="rId4"/>
           <a:stretch>
             <a:fillRect/>
           </a:stretch>
@@ -6517,7 +7390,7 @@
           <p:nvPr/>
         </p:nvPicPr>
         <p:blipFill>
-          <a:blip r:embed="rId4"/>
+          <a:blip r:embed="rId5"/>
           <a:stretch>
             <a:fillRect/>
           </a:stretch>
@@ -6602,7 +7475,7 @@
           <p:nvPr/>
         </p:nvPicPr>
         <p:blipFill>
-          <a:blip r:embed="rId5"/>
+          <a:blip r:embed="rId6"/>
           <a:stretch>
             <a:fillRect/>
           </a:stretch>
@@ -6632,7 +7505,7 @@
           <p:nvPr/>
         </p:nvPicPr>
         <p:blipFill>
-          <a:blip r:embed="rId6"/>
+          <a:blip r:embed="rId7"/>
           <a:stretch>
             <a:fillRect/>
           </a:stretch>
@@ -6686,7 +7559,7 @@
           <p:nvPr/>
         </p:nvPicPr>
         <p:blipFill>
-          <a:blip r:embed="rId2"/>
+          <a:blip r:embed="rId3"/>
           <a:stretch>
             <a:fillRect/>
           </a:stretch>
@@ -6710,7 +7583,7 @@
           <p:nvPr/>
         </p:nvPicPr>
         <p:blipFill>
-          <a:blip r:embed="rId3"/>
+          <a:blip r:embed="rId4"/>
           <a:stretch>
             <a:fillRect/>
           </a:stretch>
@@ -6734,7 +7607,7 @@
           <p:nvPr/>
         </p:nvPicPr>
         <p:blipFill>
-          <a:blip r:embed="rId4"/>
+          <a:blip r:embed="rId5"/>
           <a:stretch>
             <a:fillRect/>
           </a:stretch>
@@ -6819,7 +7692,7 @@
           <p:nvPr/>
         </p:nvPicPr>
         <p:blipFill>
-          <a:blip r:embed="rId5"/>
+          <a:blip r:embed="rId6"/>
           <a:stretch>
             <a:fillRect/>
           </a:stretch>
@@ -6886,7 +7759,7 @@
           <p:nvPr/>
         </p:nvPicPr>
         <p:blipFill>
-          <a:blip r:embed="rId6"/>
+          <a:blip r:embed="rId7"/>
           <a:stretch>
             <a:fillRect/>
           </a:stretch>
